--- a/01-DataPreprocessing/01-slides.pptx
+++ b/01-DataPreprocessing/01-slides.pptx
@@ -22348,6 +22348,158 @@
           </a:p>
         </p:txBody>
       </p:sp>
+      <p:pic>
+        <p:nvPicPr>
+          <p:cNvPr id="6" name="Picture 5">
+            <a:extLst>
+              <a:ext uri="{FF2B5EF4-FFF2-40B4-BE49-F238E27FC236}">
+                <a16:creationId xmlns:a16="http://schemas.microsoft.com/office/drawing/2014/main" id="{6A36EA08-4E99-47A6-B7D5-54F5B062BFA8}"/>
+              </a:ext>
+            </a:extLst>
+          </p:cNvPr>
+          <p:cNvPicPr>
+            <a:picLocks noChangeAspect="1"/>
+          </p:cNvPicPr>
+          <p:nvPr/>
+        </p:nvPicPr>
+        <p:blipFill>
+          <a:blip r:embed="rId9"/>
+          <a:stretch>
+            <a:fillRect/>
+          </a:stretch>
+        </p:blipFill>
+        <p:spPr>
+          <a:xfrm>
+            <a:off x="8179799" y="5335178"/>
+            <a:ext cx="2523036" cy="1451610"/>
+          </a:xfrm>
+          <a:prstGeom prst="rect">
+            <a:avLst/>
+          </a:prstGeom>
+        </p:spPr>
+      </p:pic>
+      <p:sp>
+        <p:nvSpPr>
+          <p:cNvPr id="11" name="Oval 10">
+            <a:extLst>
+              <a:ext uri="{FF2B5EF4-FFF2-40B4-BE49-F238E27FC236}">
+                <a16:creationId xmlns:a16="http://schemas.microsoft.com/office/drawing/2014/main" id="{8FF3E196-3C40-492E-B80E-976229957979}"/>
+              </a:ext>
+            </a:extLst>
+          </p:cNvPr>
+          <p:cNvSpPr/>
+          <p:nvPr/>
+        </p:nvSpPr>
+        <p:spPr>
+          <a:xfrm>
+            <a:off x="7943965" y="5106578"/>
+            <a:ext cx="457200" cy="457200"/>
+          </a:xfrm>
+          <a:prstGeom prst="ellipse">
+            <a:avLst/>
+          </a:prstGeom>
+          <a:solidFill>
+            <a:schemeClr val="bg1"/>
+          </a:solidFill>
+          <a:ln>
+            <a:solidFill>
+              <a:schemeClr val="tx1"/>
+            </a:solidFill>
+          </a:ln>
+        </p:spPr>
+        <p:style>
+          <a:lnRef idx="2">
+            <a:schemeClr val="accent1">
+              <a:shade val="50000"/>
+            </a:schemeClr>
+          </a:lnRef>
+          <a:fillRef idx="1">
+            <a:schemeClr val="accent1"/>
+          </a:fillRef>
+          <a:effectRef idx="0">
+            <a:schemeClr val="accent1"/>
+          </a:effectRef>
+          <a:fontRef idx="minor">
+            <a:schemeClr val="lt1"/>
+          </a:fontRef>
+        </p:style>
+        <p:txBody>
+          <a:bodyPr rtlCol="0" anchor="ctr"/>
+          <a:lstStyle/>
+          <a:p>
+            <a:pPr algn="ctr"/>
+            <a:r>
+              <a:rPr lang="it-IT" dirty="0">
+                <a:solidFill>
+                  <a:schemeClr val="tx1"/>
+                </a:solidFill>
+                <a:latin typeface="Helvetica" panose="020B0604020202020204" pitchFamily="34" charset="0"/>
+                <a:cs typeface="Helvetica" panose="020B0604020202020204" pitchFamily="34" charset="0"/>
+              </a:rPr>
+              <a:t>2</a:t>
+            </a:r>
+            <a:endParaRPr lang="en-US" dirty="0">
+              <a:solidFill>
+                <a:schemeClr val="tx1"/>
+              </a:solidFill>
+              <a:latin typeface="Helvetica" panose="020B0604020202020204" pitchFamily="34" charset="0"/>
+              <a:cs typeface="Helvetica" panose="020B0604020202020204" pitchFamily="34" charset="0"/>
+            </a:endParaRPr>
+          </a:p>
+        </p:txBody>
+      </p:sp>
+      <p:sp>
+        <p:nvSpPr>
+          <p:cNvPr id="7" name="Rectangle 6">
+            <a:extLst>
+              <a:ext uri="{FF2B5EF4-FFF2-40B4-BE49-F238E27FC236}">
+                <a16:creationId xmlns:a16="http://schemas.microsoft.com/office/drawing/2014/main" id="{CF8A1F29-5529-44D3-B6CC-31D16A0E2A30}"/>
+              </a:ext>
+            </a:extLst>
+          </p:cNvPr>
+          <p:cNvSpPr/>
+          <p:nvPr/>
+        </p:nvSpPr>
+        <p:spPr>
+          <a:xfrm>
+            <a:off x="8281851" y="6406956"/>
+            <a:ext cx="1166949" cy="316061"/>
+          </a:xfrm>
+          <a:prstGeom prst="rect">
+            <a:avLst/>
+          </a:prstGeom>
+          <a:noFill/>
+          <a:ln w="57150">
+            <a:solidFill>
+              <a:srgbClr val="FF0000"/>
+            </a:solidFill>
+          </a:ln>
+        </p:spPr>
+        <p:style>
+          <a:lnRef idx="2">
+            <a:schemeClr val="accent1">
+              <a:shade val="50000"/>
+            </a:schemeClr>
+          </a:lnRef>
+          <a:fillRef idx="1">
+            <a:schemeClr val="accent1"/>
+          </a:fillRef>
+          <a:effectRef idx="0">
+            <a:schemeClr val="accent1"/>
+          </a:effectRef>
+          <a:fontRef idx="minor">
+            <a:schemeClr val="lt1"/>
+          </a:fontRef>
+        </p:style>
+        <p:txBody>
+          <a:bodyPr rtlCol="0" anchor="ctr"/>
+          <a:lstStyle/>
+          <a:p>
+            <a:pPr algn="ctr"/>
+            <a:endParaRPr lang="en-US"/>
+          </a:p>
+        </p:txBody>
+      </p:sp>
     </p:spTree>
     <p:extLst>
       <p:ext uri="{BB962C8B-B14F-4D97-AF65-F5344CB8AC3E}">

--- a/01-DataPreprocessing/01-slides.pptx
+++ b/01-DataPreprocessing/01-slides.pptx
@@ -7097,7 +7097,7 @@
           <a:p>
             <a:fld id="{02297A90-1AFB-4FA1-ADF2-69FD2D1230BA}" type="datetimeFigureOut">
               <a:rPr lang="en-US" smtClean="0"/>
-              <a:t>7/12/2021</a:t>
+              <a:t>7/13/2021</a:t>
             </a:fld>
             <a:endParaRPr lang="en-US"/>
           </a:p>
@@ -7275,7 +7275,7 @@
           <a:p>
             <a:fld id="{2D15495C-7C85-4DFE-8C2B-354A7A489EB6}" type="datetimeFigureOut">
               <a:rPr lang="it-IT" smtClean="0"/>
-              <a:t>12/07/2021</a:t>
+              <a:t>13/07/2021</a:t>
             </a:fld>
             <a:endParaRPr lang="it-IT"/>
           </a:p>
@@ -11781,14 +11781,9 @@
           <a:lstStyle/>
           <a:p>
             <a:r>
-              <a:rPr lang="it-IT" dirty="0"/>
-              <a:t>Data </a:t>
-            </a:r>
-            <a:r>
-              <a:rPr lang="it-IT" dirty="0" err="1"/>
-              <a:t>preprocessing</a:t>
-            </a:r>
-            <a:endParaRPr lang="en-US" dirty="0"/>
+              <a:rPr lang="en-US"/>
+              <a:t>Data preprocessing</a:t>
+            </a:r>
           </a:p>
         </p:txBody>
       </p:sp>
@@ -11819,22 +11814,9 @@
           <a:lstStyle/>
           <a:p>
             <a:r>
-              <a:rPr lang="it-IT" dirty="0"/>
-              <a:t>Hands on </a:t>
-            </a:r>
-            <a:r>
-              <a:rPr lang="it-IT" dirty="0" err="1"/>
-              <a:t>python</a:t>
-            </a:r>
-            <a:r>
-              <a:rPr lang="it-IT" dirty="0"/>
-              <a:t> and </a:t>
-            </a:r>
-            <a:r>
-              <a:rPr lang="it-IT" dirty="0" err="1"/>
-              <a:t>pandas</a:t>
-            </a:r>
-            <a:endParaRPr lang="en-US" dirty="0"/>
+              <a:rPr lang="en-US"/>
+              <a:t>Hands on python and pandas</a:t>
+            </a:r>
           </a:p>
         </p:txBody>
       </p:sp>
@@ -11866,10 +11848,9 @@
           <a:p>
             <a:pPr algn="l"/>
             <a:r>
-              <a:rPr lang="it-IT"/>
+              <a:rPr lang="en-US"/>
               <a:t>Matteo Francia – University of Bologna</a:t>
             </a:r>
-            <a:endParaRPr lang="it-IT" dirty="0"/>
           </a:p>
         </p:txBody>
       </p:sp>
@@ -11900,10 +11881,10 @@
           <a:lstStyle/>
           <a:p>
             <a:fld id="{5DD6F1BA-2510-46FC-9346-AB1F3CA1593B}" type="slidenum">
-              <a:rPr lang="it-IT" smtClean="0"/>
+              <a:rPr lang="en-US" smtClean="0"/>
               <a:t>1</a:t>
             </a:fld>
-            <a:endParaRPr lang="it-IT"/>
+            <a:endParaRPr lang="en-US"/>
           </a:p>
         </p:txBody>
       </p:sp>
@@ -19466,14 +19447,9 @@
           <a:lstStyle/>
           <a:p>
             <a:r>
-              <a:rPr lang="it-IT" dirty="0"/>
-              <a:t>Data </a:t>
-            </a:r>
-            <a:r>
-              <a:rPr lang="it-IT" dirty="0" err="1"/>
-              <a:t>preprocessing</a:t>
-            </a:r>
-            <a:endParaRPr lang="en-US" dirty="0"/>
+              <a:rPr lang="en-US"/>
+              <a:t>Data preprocessing</a:t>
+            </a:r>
           </a:p>
         </p:txBody>
       </p:sp>
@@ -19499,56 +19475,15 @@
           <a:lstStyle/>
           <a:p>
             <a:r>
-              <a:rPr lang="it-IT" dirty="0" err="1"/>
-              <a:t>What</a:t>
-            </a:r>
-            <a:r>
-              <a:rPr lang="it-IT" dirty="0"/>
-              <a:t> </a:t>
-            </a:r>
-            <a:r>
-              <a:rPr lang="it-IT" dirty="0" err="1"/>
-              <a:t>is</a:t>
-            </a:r>
-            <a:r>
-              <a:rPr lang="it-IT" dirty="0"/>
-              <a:t> data </a:t>
-            </a:r>
-            <a:r>
-              <a:rPr lang="it-IT" dirty="0" err="1"/>
-              <a:t>preprocessing</a:t>
-            </a:r>
-            <a:r>
-              <a:rPr lang="it-IT" dirty="0"/>
-              <a:t> </a:t>
-            </a:r>
-            <a:r>
-              <a:rPr lang="it-IT" dirty="0" err="1"/>
-              <a:t>about</a:t>
-            </a:r>
-            <a:r>
-              <a:rPr lang="it-IT" dirty="0"/>
-              <a:t>?</a:t>
-            </a:r>
-          </a:p>
-          <a:p>
-            <a:r>
-              <a:rPr lang="it-IT" dirty="0"/>
-              <a:t>Share </a:t>
-            </a:r>
-            <a:r>
-              <a:rPr lang="it-IT" dirty="0" err="1"/>
-              <a:t>your</a:t>
-            </a:r>
-            <a:r>
-              <a:rPr lang="it-IT" dirty="0"/>
-              <a:t> </a:t>
-            </a:r>
-            <a:r>
-              <a:rPr lang="it-IT" dirty="0" err="1"/>
-              <a:t>experience</a:t>
-            </a:r>
-            <a:endParaRPr lang="en-US" dirty="0"/>
+              <a:rPr lang="en-US"/>
+              <a:t>What is data preprocessing about?</a:t>
+            </a:r>
+          </a:p>
+          <a:p>
+            <a:r>
+              <a:rPr lang="en-US"/>
+              <a:t>Share your experience</a:t>
+            </a:r>
           </a:p>
         </p:txBody>
       </p:sp>
@@ -19575,7 +19510,7 @@
           <a:p>
             <a:pPr algn="l"/>
             <a:r>
-              <a:rPr lang="it-IT" dirty="0"/>
+              <a:rPr lang="en-US"/>
               <a:t>Matteo Francia – University of Bologna</a:t>
             </a:r>
           </a:p>
@@ -19603,10 +19538,10 @@
           <a:lstStyle/>
           <a:p>
             <a:fld id="{5DD6F1BA-2510-46FC-9346-AB1F3CA1593B}" type="slidenum">
-              <a:rPr lang="it-IT" smtClean="0"/>
+              <a:rPr lang="en-US" smtClean="0"/>
               <a:t>30</a:t>
             </a:fld>
-            <a:endParaRPr lang="it-IT"/>
+            <a:endParaRPr lang="en-US"/>
           </a:p>
         </p:txBody>
       </p:sp>

--- a/01-DataPreprocessing/01-slides.pptx
+++ b/01-DataPreprocessing/01-slides.pptx
@@ -7175,7 +7175,7 @@
           <a:p>
             <a:fld id="{42AE2D9A-5B89-4689-B04D-3FBBAA04CE2B}" type="slidenum">
               <a:rPr lang="en-US" smtClean="0"/>
-              <a:t>‹#›</a:t>
+              <a:t>‹N›</a:t>
             </a:fld>
             <a:endParaRPr lang="en-US"/>
           </a:p>
@@ -7433,7 +7433,7 @@
           <a:p>
             <a:fld id="{D98EE9EE-A74D-4412-94DD-33E68A97493E}" type="slidenum">
               <a:rPr lang="it-IT" smtClean="0"/>
-              <a:t>‹#›</a:t>
+              <a:t>‹N›</a:t>
             </a:fld>
             <a:endParaRPr lang="it-IT"/>
           </a:p>
@@ -8492,7 +8492,7 @@
           <a:p>
             <a:fld id="{5DD6F1BA-2510-46FC-9346-AB1F3CA1593B}" type="slidenum">
               <a:rPr lang="it-IT" smtClean="0"/>
-              <a:t>‹#›</a:t>
+              <a:t>‹N›</a:t>
             </a:fld>
             <a:endParaRPr lang="it-IT"/>
           </a:p>
@@ -8761,7 +8761,7 @@
           <a:p>
             <a:fld id="{5DD6F1BA-2510-46FC-9346-AB1F3CA1593B}" type="slidenum">
               <a:rPr lang="it-IT" smtClean="0"/>
-              <a:t>‹#›</a:t>
+              <a:t>‹N›</a:t>
             </a:fld>
             <a:endParaRPr lang="it-IT"/>
           </a:p>
@@ -8945,7 +8945,7 @@
           <a:p>
             <a:fld id="{5DD6F1BA-2510-46FC-9346-AB1F3CA1593B}" type="slidenum">
               <a:rPr lang="it-IT" smtClean="0"/>
-              <a:t>‹#›</a:t>
+              <a:t>‹N›</a:t>
             </a:fld>
             <a:endParaRPr lang="it-IT"/>
           </a:p>
@@ -9134,7 +9134,7 @@
           <a:p>
             <a:fld id="{5DD6F1BA-2510-46FC-9346-AB1F3CA1593B}" type="slidenum">
               <a:rPr lang="it-IT" smtClean="0"/>
-              <a:t>‹#›</a:t>
+              <a:t>‹N›</a:t>
             </a:fld>
             <a:endParaRPr lang="it-IT"/>
           </a:p>
@@ -9315,7 +9315,7 @@
           <a:p>
             <a:fld id="{5DD6F1BA-2510-46FC-9346-AB1F3CA1593B}" type="slidenum">
               <a:rPr lang="it-IT" smtClean="0"/>
-              <a:t>‹#›</a:t>
+              <a:t>‹N›</a:t>
             </a:fld>
             <a:endParaRPr lang="it-IT"/>
           </a:p>
@@ -9534,7 +9534,7 @@
           <a:p>
             <a:fld id="{5DD6F1BA-2510-46FC-9346-AB1F3CA1593B}" type="slidenum">
               <a:rPr lang="it-IT" smtClean="0"/>
-              <a:t>‹#›</a:t>
+              <a:t>‹N›</a:t>
             </a:fld>
             <a:endParaRPr lang="it-IT"/>
           </a:p>
@@ -9723,7 +9723,7 @@
           <a:p>
             <a:fld id="{5DD6F1BA-2510-46FC-9346-AB1F3CA1593B}" type="slidenum">
               <a:rPr lang="it-IT" smtClean="0"/>
-              <a:t>‹#›</a:t>
+              <a:t>‹N›</a:t>
             </a:fld>
             <a:endParaRPr lang="it-IT"/>
           </a:p>
@@ -10079,7 +10079,7 @@
           <a:p>
             <a:fld id="{5DD6F1BA-2510-46FC-9346-AB1F3CA1593B}" type="slidenum">
               <a:rPr lang="it-IT" smtClean="0"/>
-              <a:t>‹#›</a:t>
+              <a:t>‹N›</a:t>
             </a:fld>
             <a:endParaRPr lang="it-IT"/>
           </a:p>
@@ -10326,7 +10326,7 @@
           <a:p>
             <a:fld id="{5DD6F1BA-2510-46FC-9346-AB1F3CA1593B}" type="slidenum">
               <a:rPr lang="it-IT" smtClean="0"/>
-              <a:t>‹#›</a:t>
+              <a:t>‹N›</a:t>
             </a:fld>
             <a:endParaRPr lang="it-IT"/>
           </a:p>
@@ -10754,7 +10754,7 @@
           <a:p>
             <a:fld id="{5DD6F1BA-2510-46FC-9346-AB1F3CA1593B}" type="slidenum">
               <a:rPr lang="it-IT" smtClean="0"/>
-              <a:t>‹#›</a:t>
+              <a:t>‹N›</a:t>
             </a:fld>
             <a:endParaRPr lang="it-IT"/>
           </a:p>
@@ -10878,7 +10878,7 @@
           <a:p>
             <a:fld id="{5DD6F1BA-2510-46FC-9346-AB1F3CA1593B}" type="slidenum">
               <a:rPr lang="it-IT" smtClean="0"/>
-              <a:t>‹#›</a:t>
+              <a:t>‹N›</a:t>
             </a:fld>
             <a:endParaRPr lang="it-IT"/>
           </a:p>
@@ -10999,7 +10999,7 @@
           <a:p>
             <a:fld id="{5DD6F1BA-2510-46FC-9346-AB1F3CA1593B}" type="slidenum">
               <a:rPr lang="it-IT" smtClean="0"/>
-              <a:t>‹#›</a:t>
+              <a:t>‹N›</a:t>
             </a:fld>
             <a:endParaRPr lang="it-IT"/>
           </a:p>
@@ -11252,7 +11252,7 @@
             <a:fld id="{5DD6F1BA-2510-46FC-9346-AB1F3CA1593B}" type="slidenum">
               <a:rPr lang="en-US" smtClean="0"/>
               <a:pPr/>
-              <a:t>‹#›</a:t>
+              <a:t>‹N›</a:t>
             </a:fld>
             <a:endParaRPr lang="en-US" dirty="0"/>
           </a:p>
@@ -12289,20 +12289,6 @@
               <a:t> della conoscenza (es. predizioni) in applicazioni</a:t>
             </a:r>
           </a:p>
-          <a:p>
-            <a:r>
-              <a:rPr lang="it-IT" dirty="0"/>
-              <a:t>Esiste software specifico per l’analisi di dati</a:t>
-            </a:r>
-          </a:p>
-          <a:p>
-            <a:pPr lvl="1"/>
-            <a:r>
-              <a:rPr lang="it-IT" dirty="0"/>
-              <a:t>E.g., R è un ambiente open source efficiente per analisi statistiche, machine learning, data mining con un ampio numero di librerie esterne</a:t>
-            </a:r>
-            <a:endParaRPr lang="en-US" dirty="0"/>
-          </a:p>
         </p:txBody>
       </p:sp>
       <p:sp>
@@ -12494,28 +12480,67 @@
           <a:p>
             <a:r>
               <a:rPr lang="it-IT" dirty="0"/>
-              <a:t>I dati sono comunemente reperiti o convertiti in forma tabulare</a:t>
+              <a:t>I dati (relazionali) sono comunemente reperiti o convertiti in forma </a:t>
+            </a:r>
+            <a:r>
+              <a:rPr lang="it-IT" dirty="0">
+                <a:solidFill>
+                  <a:srgbClr val="FF0000"/>
+                </a:solidFill>
+              </a:rPr>
+              <a:t>tabulare</a:t>
             </a:r>
           </a:p>
           <a:p>
             <a:pPr lvl="1"/>
             <a:r>
               <a:rPr lang="it-IT" dirty="0"/>
-              <a:t>Ogni riga rappresenta un’osservazione o istanza</a:t>
+              <a:t>Ogni </a:t>
+            </a:r>
+            <a:r>
+              <a:rPr lang="it-IT" dirty="0">
+                <a:solidFill>
+                  <a:srgbClr val="FF0000"/>
+                </a:solidFill>
+              </a:rPr>
+              <a:t>riga</a:t>
+            </a:r>
+            <a:r>
+              <a:rPr lang="it-IT" dirty="0"/>
+              <a:t> rappresenta un’osservazione o istanza</a:t>
             </a:r>
           </a:p>
           <a:p>
             <a:pPr lvl="2"/>
             <a:r>
               <a:rPr lang="it-IT" dirty="0"/>
-              <a:t>Uno degli oggetti su cui si sta compiendo l’analisi (un prodotto)</a:t>
+              <a:t>Uno degli oggetti su cui si sta compiendo l’analisi</a:t>
+            </a:r>
+          </a:p>
+          <a:p>
+            <a:pPr lvl="2"/>
+            <a:r>
+              <a:rPr lang="it-IT" dirty="0"/>
+              <a:t>E.g., un prodotto</a:t>
             </a:r>
           </a:p>
           <a:p>
             <a:pPr lvl="1"/>
             <a:r>
               <a:rPr lang="it-IT" dirty="0"/>
-              <a:t>Ogni colonna è una variabile, attributo o feature che caratterizza ciascun oggetto</a:t>
+              <a:t>Ogni </a:t>
+            </a:r>
+            <a:r>
+              <a:rPr lang="it-IT" dirty="0">
+                <a:solidFill>
+                  <a:srgbClr val="FF0000"/>
+                </a:solidFill>
+              </a:rPr>
+              <a:t>colonna</a:t>
+            </a:r>
+            <a:r>
+              <a:rPr lang="it-IT" dirty="0"/>
+              <a:t> è una variabile, attributo o feature che caratterizza ciascun oggetto</a:t>
             </a:r>
           </a:p>
           <a:p>
@@ -13468,7 +13493,7 @@
             </a:r>
             <a:r>
               <a:rPr lang="it-IT" dirty="0"/>
-              <a:t> è una libreria Python che definisce strutture dati e funzionalità per l’analisi di dati strutturati</a:t>
+              <a:t> (Python) è una soluzione per la manipolazione di dati tabulari</a:t>
             </a:r>
           </a:p>
           <a:p>
@@ -13518,7 +13543,19 @@
             <a:pPr lvl="1"/>
             <a:r>
               <a:rPr lang="it-IT" dirty="0"/>
-              <a:t>Soluzione completa per la manipolazione di dati tabulari</a:t>
+              <a:t>Supporto operazioni SQL-like (</a:t>
+            </a:r>
+            <a:r>
+              <a:rPr lang="it-IT" dirty="0">
+                <a:solidFill>
+                  <a:schemeClr val="accent1"/>
+                </a:solidFill>
+              </a:rPr>
+              <a:t>join/merge, aggregazione, </a:t>
+            </a:r>
+            <a:r>
+              <a:rPr lang="it-IT" dirty="0"/>
+              <a:t>etc.)</a:t>
             </a:r>
           </a:p>
           <a:p>
@@ -13546,25 +13583,6 @@
             <a:r>
               <a:rPr lang="it-IT" dirty="0"/>
               <a:t>)</a:t>
-            </a:r>
-          </a:p>
-          <a:p>
-            <a:pPr lvl="1"/>
-            <a:r>
-              <a:rPr lang="it-IT" dirty="0"/>
-              <a:t>Supporto operazioni SQL-like (</a:t>
-            </a:r>
-            <a:r>
-              <a:rPr lang="it-IT" dirty="0">
-                <a:solidFill>
-                  <a:schemeClr val="accent1"/>
-                </a:solidFill>
-              </a:rPr>
-              <a:t>join/merge, aggregazione, </a:t>
-            </a:r>
-            <a:r>
-              <a:rPr lang="it-IT" dirty="0"/>
-              <a:t>etc.)</a:t>
             </a:r>
           </a:p>
           <a:p>
@@ -13805,7 +13823,7 @@
             <a:pPr lvl="1"/>
             <a:r>
               <a:rPr lang="it-IT" dirty="0"/>
-              <a:t>A ogni valore è associata un’etichetta</a:t>
+              <a:t>Ad ogni valore è associata un’etichetta</a:t>
             </a:r>
           </a:p>
           <a:p>
@@ -13823,15 +13841,7 @@
             <a:pPr lvl="1"/>
             <a:r>
               <a:rPr lang="it-IT" dirty="0"/>
-              <a:t>In pratica un </a:t>
-            </a:r>
-            <a:r>
-              <a:rPr lang="it-IT" dirty="0" err="1"/>
-              <a:t>ndarray</a:t>
-            </a:r>
-            <a:r>
-              <a:rPr lang="it-IT" dirty="0"/>
-              <a:t> a una dimensione (vettore) con un’etichetta associata ad ogni elemento</a:t>
+              <a:t>In pratica un vettore a una dimensione con un’etichetta associata ad ogni elemento</a:t>
             </a:r>
           </a:p>
           <a:p>
@@ -13876,15 +13886,7 @@
             <a:pPr lvl="2"/>
             <a:r>
               <a:rPr lang="it-IT" dirty="0"/>
-              <a:t>E.g., la chiave </a:t>
-            </a:r>
-            <a:r>
-              <a:rPr lang="it-IT" dirty="0" err="1"/>
-              <a:t>primary</a:t>
-            </a:r>
-            <a:r>
-              <a:rPr lang="it-IT" dirty="0"/>
-              <a:t> di una tabella in un database</a:t>
+              <a:t>E.g., la chiave primaria di una tabella in un database</a:t>
             </a:r>
           </a:p>
           <a:p>
@@ -15613,7 +15615,7 @@
             <a:pPr lvl="1"/>
             <a:r>
               <a:rPr lang="en-US" dirty="0"/>
-              <a:t>“there should be one—and preferably only one—obvious way to do it</a:t>
+              <a:t>“there should be one—and preferably only one—obvious way to do it”</a:t>
             </a:r>
           </a:p>
         </p:txBody>
@@ -19185,13 +19187,8 @@
           <a:p>
             <a:r>
               <a:rPr lang="it-IT" dirty="0"/>
-              <a:t>Linguaggio general-</a:t>
-            </a:r>
-            <a:r>
-              <a:rPr lang="it-IT" dirty="0" err="1"/>
-              <a:t>purpose</a:t>
-            </a:r>
-            <a:endParaRPr lang="it-IT" dirty="0"/>
+              <a:t>Perché Python?</a:t>
+            </a:r>
           </a:p>
           <a:p>
             <a:pPr lvl="1"/>
@@ -19475,14 +19472,8 @@
           <a:lstStyle/>
           <a:p>
             <a:r>
-              <a:rPr lang="en-US"/>
-              <a:t>What is data preprocessing about?</a:t>
-            </a:r>
-          </a:p>
-          <a:p>
-            <a:r>
-              <a:rPr lang="en-US"/>
-              <a:t>Share your experience</a:t>
+              <a:rPr lang="en-US" dirty="0"/>
+              <a:t>Discussion time!</a:t>
             </a:r>
           </a:p>
         </p:txBody>
@@ -20206,14 +20197,14 @@
                 <a:effectLst/>
                 <a:latin typeface="Arial" panose="020B0604020202020204" pitchFamily="34" charset="0"/>
               </a:rPr>
-              <a:t>Normalization</a:t>
+              <a:t>Discretization</a:t>
             </a:r>
             <a:r>
               <a:rPr lang="en-US" dirty="0">
                 <a:effectLst/>
                 <a:latin typeface="Arial" panose="020B0604020202020204" pitchFamily="34" charset="0"/>
               </a:rPr>
-              <a:t>: normalizing continuous attributes such that their values fall in the same range</a:t>
+              <a:t>: transforming continuous attributes into categorical ones</a:t>
             </a:r>
           </a:p>
           <a:p>
@@ -20226,14 +20217,14 @@
                 <a:effectLst/>
                 <a:latin typeface="Arial" panose="020B0604020202020204" pitchFamily="34" charset="0"/>
               </a:rPr>
-              <a:t>Discretization</a:t>
+              <a:t>Normalization</a:t>
             </a:r>
             <a:r>
               <a:rPr lang="en-US" dirty="0">
                 <a:effectLst/>
                 <a:latin typeface="Arial" panose="020B0604020202020204" pitchFamily="34" charset="0"/>
               </a:rPr>
-              <a:t>: transforming continuous attributes into categorical ones</a:t>
+              <a:t>: normalizing continuous attributes such that their values fall in the same range</a:t>
             </a:r>
           </a:p>
           <a:p>
@@ -20462,14 +20453,9 @@
           <a:lstStyle/>
           <a:p>
             <a:r>
-              <a:rPr lang="it-IT" dirty="0"/>
-              <a:t>Data </a:t>
-            </a:r>
-            <a:r>
-              <a:rPr lang="it-IT" dirty="0" err="1"/>
-              <a:t>preprocessing</a:t>
-            </a:r>
-            <a:endParaRPr lang="en-US" dirty="0"/>
+              <a:rPr lang="en-US"/>
+              <a:t>Data preprocessing</a:t>
+            </a:r>
           </a:p>
         </p:txBody>
       </p:sp>
@@ -20495,18 +20481,18 @@
           <a:lstStyle/>
           <a:p>
             <a:r>
-              <a:rPr lang="en-US" dirty="0"/>
+              <a:rPr lang="en-US"/>
               <a:t>Things are even more complex when applying sequences of transformations</a:t>
             </a:r>
           </a:p>
           <a:p>
             <a:pPr lvl="1"/>
             <a:r>
-              <a:rPr lang="it-IT" dirty="0"/>
+              <a:rPr lang="en-US"/>
               <a:t>E.g., </a:t>
             </a:r>
             <a:r>
-              <a:rPr lang="it-IT" dirty="0" err="1">
+              <a:rPr lang="en-US">
                 <a:solidFill>
                   <a:srgbClr val="FF0000"/>
                 </a:solidFill>
@@ -20514,51 +20500,11 @@
               <a:t>normalization</a:t>
             </a:r>
             <a:r>
-              <a:rPr lang="it-IT" dirty="0"/>
-              <a:t> </a:t>
-            </a:r>
-            <a:r>
-              <a:rPr lang="it-IT" dirty="0" err="1"/>
-              <a:t>should</a:t>
-            </a:r>
-            <a:r>
-              <a:rPr lang="it-IT" dirty="0"/>
-              <a:t> be </a:t>
-            </a:r>
-            <a:r>
-              <a:rPr lang="it-IT" dirty="0" err="1"/>
-              <a:t>applied</a:t>
-            </a:r>
-            <a:r>
-              <a:rPr lang="it-IT" dirty="0"/>
-              <a:t> </a:t>
-            </a:r>
-            <a:r>
-              <a:rPr lang="it-IT" dirty="0" err="1"/>
-              <a:t>before</a:t>
-            </a:r>
-            <a:r>
-              <a:rPr lang="it-IT" dirty="0"/>
-              <a:t> </a:t>
-            </a:r>
-            <a:r>
-              <a:rPr lang="it-IT" dirty="0" err="1"/>
-              <a:t>rebalancing</a:t>
-            </a:r>
-            <a:r>
-              <a:rPr lang="it-IT" dirty="0"/>
-              <a:t> </a:t>
-            </a:r>
-            <a:r>
-              <a:rPr lang="it-IT" dirty="0" err="1"/>
-              <a:t>since</a:t>
-            </a:r>
-            <a:r>
-              <a:rPr lang="it-IT" dirty="0"/>
-              <a:t> </a:t>
-            </a:r>
-            <a:r>
-              <a:rPr lang="it-IT" dirty="0" err="1">
+              <a:rPr lang="en-US"/>
+              <a:t> should be applied before </a:t>
+            </a:r>
+            <a:r>
+              <a:rPr lang="en-US">
                 <a:solidFill>
                   <a:schemeClr val="accent6"/>
                 </a:solidFill>
@@ -20566,55 +20512,30 @@
               <a:t>rebalancing</a:t>
             </a:r>
             <a:r>
-              <a:rPr lang="it-IT" dirty="0"/>
-              <a:t> (e.g., by </a:t>
-            </a:r>
-            <a:r>
-              <a:rPr lang="it-IT" dirty="0" err="1"/>
-              <a:t>resampling</a:t>
-            </a:r>
-            <a:r>
-              <a:rPr lang="it-IT" dirty="0"/>
-              <a:t>) </a:t>
-            </a:r>
-            <a:r>
-              <a:rPr lang="it-IT" dirty="0" err="1"/>
-              <a:t>alters</a:t>
-            </a:r>
-            <a:r>
-              <a:rPr lang="it-IT" dirty="0"/>
-              <a:t> </a:t>
-            </a:r>
-            <a:r>
-              <a:rPr lang="it-IT" dirty="0" err="1"/>
-              <a:t>average</a:t>
-            </a:r>
-            <a:r>
-              <a:rPr lang="it-IT" dirty="0"/>
-              <a:t> and standard </a:t>
-            </a:r>
-            <a:r>
-              <a:rPr lang="it-IT" dirty="0" err="1"/>
-              <a:t>deviations</a:t>
-            </a:r>
-            <a:endParaRPr lang="it-IT" dirty="0"/>
+              <a:rPr lang="en-US"/>
+              <a:t> since </a:t>
+            </a:r>
+            <a:r>
+              <a:rPr lang="en-US">
+                <a:solidFill>
+                  <a:schemeClr val="accent6"/>
+                </a:solidFill>
+              </a:rPr>
+              <a:t>rebalancing</a:t>
+            </a:r>
+            <a:r>
+              <a:rPr lang="en-US"/>
+              <a:t> (e.g., by resampling) alters average and standard deviations</a:t>
+            </a:r>
           </a:p>
           <a:p>
             <a:pPr lvl="1"/>
             <a:r>
-              <a:rPr lang="it-IT" dirty="0"/>
-              <a:t>E.g., </a:t>
-            </a:r>
-            <a:r>
-              <a:rPr lang="it-IT" dirty="0" err="1"/>
-              <a:t>applying</a:t>
-            </a:r>
-            <a:r>
-              <a:rPr lang="it-IT" dirty="0"/>
-              <a:t> </a:t>
-            </a:r>
-            <a:r>
-              <a:rPr lang="it-IT" dirty="0">
+              <a:rPr lang="en-US"/>
+              <a:t>E.g., applying </a:t>
+            </a:r>
+            <a:r>
+              <a:rPr lang="en-US">
                 <a:solidFill>
                   <a:schemeClr val="accent1"/>
                 </a:solidFill>
@@ -20622,15 +20543,11 @@
               <a:t>feature engineering </a:t>
             </a:r>
             <a:r>
-              <a:rPr lang="it-IT" dirty="0" err="1"/>
-              <a:t>before</a:t>
-            </a:r>
-            <a:r>
-              <a:rPr lang="it-IT" dirty="0"/>
-              <a:t>/after </a:t>
-            </a:r>
-            <a:r>
-              <a:rPr lang="it-IT" dirty="0" err="1">
+              <a:rPr lang="en-US"/>
+              <a:t>before/after </a:t>
+            </a:r>
+            <a:r>
+              <a:rPr lang="en-US">
                 <a:solidFill>
                   <a:schemeClr val="accent6"/>
                 </a:solidFill>
@@ -20638,91 +20555,25 @@
               <a:t>rebalancing</a:t>
             </a:r>
             <a:r>
-              <a:rPr lang="it-IT" dirty="0"/>
-              <a:t> </a:t>
-            </a:r>
-            <a:r>
-              <a:rPr lang="it-IT" dirty="0" err="1"/>
-              <a:t>produces</a:t>
-            </a:r>
-            <a:r>
-              <a:rPr lang="it-IT" dirty="0"/>
-              <a:t> </a:t>
-            </a:r>
-            <a:r>
-              <a:rPr lang="it-IT" dirty="0" err="1"/>
-              <a:t>different</a:t>
-            </a:r>
-            <a:r>
-              <a:rPr lang="it-IT" dirty="0"/>
-              <a:t> </a:t>
-            </a:r>
-            <a:r>
-              <a:rPr lang="it-IT" dirty="0" err="1"/>
-              <a:t>results</a:t>
-            </a:r>
-            <a:r>
-              <a:rPr lang="it-IT" dirty="0"/>
-              <a:t> </a:t>
-            </a:r>
-            <a:r>
-              <a:rPr lang="it-IT" dirty="0" err="1"/>
-              <a:t>which</a:t>
-            </a:r>
-            <a:r>
-              <a:rPr lang="it-IT" dirty="0"/>
-              <a:t> </a:t>
-            </a:r>
-            <a:r>
-              <a:rPr lang="it-IT" dirty="0" err="1"/>
-              <a:t>depends</a:t>
-            </a:r>
-            <a:r>
-              <a:rPr lang="it-IT" dirty="0"/>
-              <a:t> on the dataset and the </a:t>
-            </a:r>
-            <a:r>
-              <a:rPr lang="it-IT" dirty="0" err="1"/>
-              <a:t>algorithm</a:t>
-            </a:r>
-            <a:endParaRPr lang="it-IT" dirty="0"/>
-          </a:p>
-          <a:p>
-            <a:endParaRPr lang="it-IT" dirty="0"/>
-          </a:p>
-          <a:p>
-            <a:r>
-              <a:rPr lang="it-IT" dirty="0"/>
-              <a:t>More an art </a:t>
-            </a:r>
-            <a:r>
-              <a:rPr lang="it-IT" dirty="0" err="1"/>
-              <a:t>than</a:t>
-            </a:r>
-            <a:r>
-              <a:rPr lang="it-IT" dirty="0"/>
-              <a:t> a science</a:t>
+              <a:rPr lang="en-US"/>
+              <a:t> produces different results which depends on the dataset and the algorithm</a:t>
+            </a:r>
+          </a:p>
+          <a:p>
+            <a:endParaRPr lang="en-US"/>
+          </a:p>
+          <a:p>
+            <a:r>
+              <a:rPr lang="en-US"/>
+              <a:t>More an art than a science</a:t>
             </a:r>
           </a:p>
           <a:p>
             <a:pPr lvl="1"/>
             <a:r>
-              <a:rPr lang="it-IT" dirty="0"/>
-              <a:t>At </a:t>
-            </a:r>
-            <a:r>
-              <a:rPr lang="it-IT" dirty="0" err="1"/>
-              <a:t>least</a:t>
-            </a:r>
-            <a:r>
-              <a:rPr lang="it-IT" dirty="0"/>
-              <a:t> for </a:t>
-            </a:r>
-            <a:r>
-              <a:rPr lang="it-IT" dirty="0" err="1"/>
-              <a:t>now</a:t>
-            </a:r>
-            <a:endParaRPr lang="it-IT" dirty="0"/>
+              <a:rPr lang="en-US"/>
+              <a:t>At least for now</a:t>
+            </a:r>
           </a:p>
         </p:txBody>
       </p:sp>
@@ -20783,10 +20634,9 @@
           <a:lstStyle/>
           <a:p>
             <a:r>
-              <a:rPr lang="it-IT"/>
+              <a:rPr lang="en-US"/>
               <a:t>Matteo Francia – University of Bologna</a:t>
             </a:r>
-            <a:endParaRPr lang="it-IT" dirty="0"/>
           </a:p>
         </p:txBody>
       </p:sp>
@@ -20812,11 +20662,11 @@
           <a:lstStyle/>
           <a:p>
             <a:fld id="{5DD6F1BA-2510-46FC-9346-AB1F3CA1593B}" type="slidenum">
-              <a:rPr lang="it-IT" smtClean="0"/>
+              <a:rPr lang="en-US" smtClean="0"/>
               <a:pPr/>
               <a:t>34</a:t>
             </a:fld>
-            <a:endParaRPr lang="it-IT"/>
+            <a:endParaRPr lang="en-US"/>
           </a:p>
         </p:txBody>
       </p:sp>
@@ -21100,11 +20950,19 @@
           <a:p>
             <a:r>
               <a:rPr lang="it-IT" dirty="0"/>
-              <a:t>First, look </a:t>
+              <a:t>First, </a:t>
             </a:r>
             <a:r>
               <a:rPr lang="it-IT" dirty="0" err="1"/>
-              <a:t>at</a:t>
+              <a:t>get</a:t>
+            </a:r>
+            <a:r>
+              <a:rPr lang="it-IT" dirty="0"/>
+              <a:t> and </a:t>
+            </a:r>
+            <a:r>
+              <a:rPr lang="it-IT" dirty="0" err="1"/>
+              <a:t>understand</a:t>
             </a:r>
             <a:r>
               <a:rPr lang="it-IT" dirty="0"/>
@@ -21114,15 +20972,16 @@
           <a:p>
             <a:pPr lvl="1"/>
             <a:r>
+              <a:rPr lang="en-US" dirty="0">
+                <a:solidFill>
+                  <a:srgbClr val="FF0000"/>
+                </a:solidFill>
+              </a:rPr>
+              <a:t>Data integration</a:t>
+            </a:r>
+            <a:r>
               <a:rPr lang="en-US" dirty="0"/>
-              <a:t>Data integration, data are usually spread across multiple (even inconsistent) documents/files </a:t>
-            </a:r>
-          </a:p>
-          <a:p>
-            <a:pPr lvl="2"/>
-            <a:r>
-              <a:rPr lang="en-US" dirty="0"/>
-              <a:t>You need to merge them</a:t>
+              <a:t>: data are usually spread across multiple (even inconsistent) documents/files </a:t>
             </a:r>
           </a:p>
           <a:p>
@@ -21135,8 +20994,16 @@
           <a:p>
             <a:pPr lvl="1"/>
             <a:r>
+              <a:rPr lang="en-US" dirty="0">
+                <a:solidFill>
+                  <a:srgbClr val="FF0000"/>
+                </a:solidFill>
+              </a:rPr>
+              <a:t>Visualization</a:t>
+            </a:r>
+            <a:r>
               <a:rPr lang="en-US" dirty="0"/>
-              <a:t>Visualization helps the process of understanding the data</a:t>
+              <a:t> helps the process of understanding the data</a:t>
             </a:r>
           </a:p>
           <a:p>
@@ -21145,7 +21012,7 @@
           <a:p>
             <a:r>
               <a:rPr lang="en-US" dirty="0"/>
-              <a:t>Example of questions:</a:t>
+              <a:t>Then, ask (yourself) some questions:</a:t>
             </a:r>
           </a:p>
           <a:p>
@@ -21382,8 +21249,16 @@
           <a:p>
             <a:pPr lvl="1"/>
             <a:r>
+              <a:rPr lang="en-US" dirty="0">
+                <a:solidFill>
+                  <a:srgbClr val="FF0000"/>
+                </a:solidFill>
+              </a:rPr>
+              <a:t>Frame the problem</a:t>
+            </a:r>
+            <a:r>
               <a:rPr lang="en-US" dirty="0"/>
-              <a:t>Frame the problem and look at the big picture</a:t>
+              <a:t> and look at the big picture</a:t>
             </a:r>
           </a:p>
           <a:p>
@@ -21634,22 +21509,23 @@
           <a:p>
             <a:pPr lvl="2"/>
             <a:r>
+              <a:rPr lang="en-US" dirty="0">
+                <a:solidFill>
+                  <a:srgbClr val="FF0000"/>
+                </a:solidFill>
+              </a:rPr>
+              <a:t>Knowing the objective</a:t>
+            </a:r>
+            <a:r>
               <a:rPr lang="en-US" dirty="0"/>
-              <a:t>What is the business objective is? Building a model is probably not the end goal</a:t>
+              <a:t> is important because it will determine how you frame the problem, which algorithms you will select, which performance measure you will use to evaluate your model, and how much effort you will spend tweaking it.</a:t>
             </a:r>
           </a:p>
           <a:p>
             <a:pPr lvl="2"/>
             <a:r>
-              <a:rPr lang="en-US" dirty="0"/>
-              <a:t>Knowing the objective is important because it will determine how you frame the problem, which algorithms you will select, which performance measure you will use to evaluate your model, and how much effort you will spend tweaking it.</a:t>
-            </a:r>
-          </a:p>
-          <a:p>
-            <a:pPr lvl="2"/>
-            <a:r>
               <a:rPr lang="en-US" i="1" dirty="0"/>
-              <a:t>"Your boss answers that your model’s output (a prediction of a district’s median housing price) will be fed to another Machine Learning system, along with many other signals.3 This downstream system will determine whether it is worth investing in a given area or not. Getting this right is critical, as it directly affects revenue."</a:t>
+              <a:t>"Your boss answers that your model’s output (a prediction of a district’s median housing price) will be fed to another Machine Learning system, along with many other signals. This downstream system will determine whether it is worth investing in a given area or not. Getting this right is critical, as it directly affects revenue."</a:t>
             </a:r>
           </a:p>
         </p:txBody>
@@ -22081,6 +21957,351 @@
   <p:clrMapOvr>
     <a:masterClrMapping/>
   </p:clrMapOvr>
+  <p:timing>
+    <p:tnLst>
+      <p:par>
+        <p:cTn id="1" dur="indefinite" restart="never" nodeType="tmRoot">
+          <p:childTnLst>
+            <p:seq concurrent="1" nextAc="seek">
+              <p:cTn id="2" dur="indefinite" nodeType="mainSeq">
+                <p:childTnLst>
+                  <p:par>
+                    <p:cTn id="3" fill="hold">
+                      <p:stCondLst>
+                        <p:cond delay="indefinite"/>
+                      </p:stCondLst>
+                      <p:childTnLst>
+                        <p:par>
+                          <p:cTn id="4" fill="hold">
+                            <p:stCondLst>
+                              <p:cond delay="0"/>
+                            </p:stCondLst>
+                            <p:childTnLst>
+                              <p:par>
+                                <p:cTn id="5" presetID="1" presetClass="entr" presetSubtype="0" fill="hold" nodeType="clickEffect">
+                                  <p:stCondLst>
+                                    <p:cond delay="0"/>
+                                  </p:stCondLst>
+                                  <p:childTnLst>
+                                    <p:set>
+                                      <p:cBhvr>
+                                        <p:cTn id="6" dur="1" fill="hold">
+                                          <p:stCondLst>
+                                            <p:cond delay="0"/>
+                                          </p:stCondLst>
+                                        </p:cTn>
+                                        <p:tgtEl>
+                                          <p:spTgt spid="9">
+                                            <p:txEl>
+                                              <p:pRg st="4" end="4"/>
+                                            </p:txEl>
+                                          </p:spTgt>
+                                        </p:tgtEl>
+                                        <p:attrNameLst>
+                                          <p:attrName>style.visibility</p:attrName>
+                                        </p:attrNameLst>
+                                      </p:cBhvr>
+                                      <p:to>
+                                        <p:strVal val="visible"/>
+                                      </p:to>
+                                    </p:set>
+                                  </p:childTnLst>
+                                </p:cTn>
+                              </p:par>
+                              <p:par>
+                                <p:cTn id="7" presetID="1" presetClass="entr" presetSubtype="0" fill="hold" nodeType="withEffect">
+                                  <p:stCondLst>
+                                    <p:cond delay="0"/>
+                                  </p:stCondLst>
+                                  <p:childTnLst>
+                                    <p:set>
+                                      <p:cBhvr>
+                                        <p:cTn id="8" dur="1" fill="hold">
+                                          <p:stCondLst>
+                                            <p:cond delay="0"/>
+                                          </p:stCondLst>
+                                        </p:cTn>
+                                        <p:tgtEl>
+                                          <p:spTgt spid="9">
+                                            <p:txEl>
+                                              <p:pRg st="5" end="5"/>
+                                            </p:txEl>
+                                          </p:spTgt>
+                                        </p:tgtEl>
+                                        <p:attrNameLst>
+                                          <p:attrName>style.visibility</p:attrName>
+                                        </p:attrNameLst>
+                                      </p:cBhvr>
+                                      <p:to>
+                                        <p:strVal val="visible"/>
+                                      </p:to>
+                                    </p:set>
+                                  </p:childTnLst>
+                                </p:cTn>
+                              </p:par>
+                              <p:par>
+                                <p:cTn id="9" presetID="1" presetClass="entr" presetSubtype="0" fill="hold" nodeType="withEffect">
+                                  <p:stCondLst>
+                                    <p:cond delay="0"/>
+                                  </p:stCondLst>
+                                  <p:childTnLst>
+                                    <p:set>
+                                      <p:cBhvr>
+                                        <p:cTn id="10" dur="1" fill="hold">
+                                          <p:stCondLst>
+                                            <p:cond delay="0"/>
+                                          </p:stCondLst>
+                                        </p:cTn>
+                                        <p:tgtEl>
+                                          <p:spTgt spid="9">
+                                            <p:txEl>
+                                              <p:pRg st="6" end="6"/>
+                                            </p:txEl>
+                                          </p:spTgt>
+                                        </p:tgtEl>
+                                        <p:attrNameLst>
+                                          <p:attrName>style.visibility</p:attrName>
+                                        </p:attrNameLst>
+                                      </p:cBhvr>
+                                      <p:to>
+                                        <p:strVal val="visible"/>
+                                      </p:to>
+                                    </p:set>
+                                  </p:childTnLst>
+                                </p:cTn>
+                              </p:par>
+                              <p:par>
+                                <p:cTn id="11" presetID="1" presetClass="entr" presetSubtype="0" fill="hold" nodeType="withEffect">
+                                  <p:stCondLst>
+                                    <p:cond delay="0"/>
+                                  </p:stCondLst>
+                                  <p:childTnLst>
+                                    <p:set>
+                                      <p:cBhvr>
+                                        <p:cTn id="12" dur="1" fill="hold">
+                                          <p:stCondLst>
+                                            <p:cond delay="0"/>
+                                          </p:stCondLst>
+                                        </p:cTn>
+                                        <p:tgtEl>
+                                          <p:spTgt spid="9">
+                                            <p:txEl>
+                                              <p:pRg st="7" end="7"/>
+                                            </p:txEl>
+                                          </p:spTgt>
+                                        </p:tgtEl>
+                                        <p:attrNameLst>
+                                          <p:attrName>style.visibility</p:attrName>
+                                        </p:attrNameLst>
+                                      </p:cBhvr>
+                                      <p:to>
+                                        <p:strVal val="visible"/>
+                                      </p:to>
+                                    </p:set>
+                                  </p:childTnLst>
+                                </p:cTn>
+                              </p:par>
+                            </p:childTnLst>
+                          </p:cTn>
+                        </p:par>
+                      </p:childTnLst>
+                    </p:cTn>
+                  </p:par>
+                  <p:par>
+                    <p:cTn id="13" fill="hold">
+                      <p:stCondLst>
+                        <p:cond delay="indefinite"/>
+                      </p:stCondLst>
+                      <p:childTnLst>
+                        <p:par>
+                          <p:cTn id="14" fill="hold">
+                            <p:stCondLst>
+                              <p:cond delay="0"/>
+                            </p:stCondLst>
+                            <p:childTnLst>
+                              <p:par>
+                                <p:cTn id="15" presetID="1" presetClass="entr" presetSubtype="0" fill="hold" nodeType="clickEffect">
+                                  <p:stCondLst>
+                                    <p:cond delay="0"/>
+                                  </p:stCondLst>
+                                  <p:childTnLst>
+                                    <p:set>
+                                      <p:cBhvr>
+                                        <p:cTn id="16" dur="1" fill="hold">
+                                          <p:stCondLst>
+                                            <p:cond delay="0"/>
+                                          </p:stCondLst>
+                                        </p:cTn>
+                                        <p:tgtEl>
+                                          <p:spTgt spid="9">
+                                            <p:txEl>
+                                              <p:pRg st="8" end="8"/>
+                                            </p:txEl>
+                                          </p:spTgt>
+                                        </p:tgtEl>
+                                        <p:attrNameLst>
+                                          <p:attrName>style.visibility</p:attrName>
+                                        </p:attrNameLst>
+                                      </p:cBhvr>
+                                      <p:to>
+                                        <p:strVal val="visible"/>
+                                      </p:to>
+                                    </p:set>
+                                  </p:childTnLst>
+                                </p:cTn>
+                              </p:par>
+                              <p:par>
+                                <p:cTn id="17" presetID="1" presetClass="entr" presetSubtype="0" fill="hold" nodeType="withEffect">
+                                  <p:stCondLst>
+                                    <p:cond delay="0"/>
+                                  </p:stCondLst>
+                                  <p:childTnLst>
+                                    <p:set>
+                                      <p:cBhvr>
+                                        <p:cTn id="18" dur="1" fill="hold">
+                                          <p:stCondLst>
+                                            <p:cond delay="0"/>
+                                          </p:stCondLst>
+                                        </p:cTn>
+                                        <p:tgtEl>
+                                          <p:spTgt spid="9">
+                                            <p:txEl>
+                                              <p:pRg st="9" end="9"/>
+                                            </p:txEl>
+                                          </p:spTgt>
+                                        </p:tgtEl>
+                                        <p:attrNameLst>
+                                          <p:attrName>style.visibility</p:attrName>
+                                        </p:attrNameLst>
+                                      </p:cBhvr>
+                                      <p:to>
+                                        <p:strVal val="visible"/>
+                                      </p:to>
+                                    </p:set>
+                                  </p:childTnLst>
+                                </p:cTn>
+                              </p:par>
+                              <p:par>
+                                <p:cTn id="19" presetID="1" presetClass="entr" presetSubtype="0" fill="hold" nodeType="withEffect">
+                                  <p:stCondLst>
+                                    <p:cond delay="0"/>
+                                  </p:stCondLst>
+                                  <p:childTnLst>
+                                    <p:set>
+                                      <p:cBhvr>
+                                        <p:cTn id="20" dur="1" fill="hold">
+                                          <p:stCondLst>
+                                            <p:cond delay="0"/>
+                                          </p:stCondLst>
+                                        </p:cTn>
+                                        <p:tgtEl>
+                                          <p:spTgt spid="9">
+                                            <p:txEl>
+                                              <p:pRg st="10" end="10"/>
+                                            </p:txEl>
+                                          </p:spTgt>
+                                        </p:tgtEl>
+                                        <p:attrNameLst>
+                                          <p:attrName>style.visibility</p:attrName>
+                                        </p:attrNameLst>
+                                      </p:cBhvr>
+                                      <p:to>
+                                        <p:strVal val="visible"/>
+                                      </p:to>
+                                    </p:set>
+                                  </p:childTnLst>
+                                </p:cTn>
+                              </p:par>
+                              <p:par>
+                                <p:cTn id="21" presetID="1" presetClass="entr" presetSubtype="0" fill="hold" nodeType="withEffect">
+                                  <p:stCondLst>
+                                    <p:cond delay="0"/>
+                                  </p:stCondLst>
+                                  <p:childTnLst>
+                                    <p:set>
+                                      <p:cBhvr>
+                                        <p:cTn id="22" dur="1" fill="hold">
+                                          <p:stCondLst>
+                                            <p:cond delay="0"/>
+                                          </p:stCondLst>
+                                        </p:cTn>
+                                        <p:tgtEl>
+                                          <p:spTgt spid="9">
+                                            <p:txEl>
+                                              <p:pRg st="11" end="11"/>
+                                            </p:txEl>
+                                          </p:spTgt>
+                                        </p:tgtEl>
+                                        <p:attrNameLst>
+                                          <p:attrName>style.visibility</p:attrName>
+                                        </p:attrNameLst>
+                                      </p:cBhvr>
+                                      <p:to>
+                                        <p:strVal val="visible"/>
+                                      </p:to>
+                                    </p:set>
+                                  </p:childTnLst>
+                                </p:cTn>
+                              </p:par>
+                              <p:par>
+                                <p:cTn id="23" presetID="1" presetClass="entr" presetSubtype="0" fill="hold" nodeType="withEffect">
+                                  <p:stCondLst>
+                                    <p:cond delay="0"/>
+                                  </p:stCondLst>
+                                  <p:childTnLst>
+                                    <p:set>
+                                      <p:cBhvr>
+                                        <p:cTn id="24" dur="1" fill="hold">
+                                          <p:stCondLst>
+                                            <p:cond delay="0"/>
+                                          </p:stCondLst>
+                                        </p:cTn>
+                                        <p:tgtEl>
+                                          <p:spTgt spid="9">
+                                            <p:txEl>
+                                              <p:pRg st="12" end="12"/>
+                                            </p:txEl>
+                                          </p:spTgt>
+                                        </p:tgtEl>
+                                        <p:attrNameLst>
+                                          <p:attrName>style.visibility</p:attrName>
+                                        </p:attrNameLst>
+                                      </p:cBhvr>
+                                      <p:to>
+                                        <p:strVal val="visible"/>
+                                      </p:to>
+                                    </p:set>
+                                  </p:childTnLst>
+                                </p:cTn>
+                              </p:par>
+                            </p:childTnLst>
+                          </p:cTn>
+                        </p:par>
+                      </p:childTnLst>
+                    </p:cTn>
+                  </p:par>
+                </p:childTnLst>
+              </p:cTn>
+              <p:prevCondLst>
+                <p:cond evt="onPrev" delay="0">
+                  <p:tgtEl>
+                    <p:sldTgt/>
+                  </p:tgtEl>
+                </p:cond>
+              </p:prevCondLst>
+              <p:nextCondLst>
+                <p:cond evt="onNext" delay="0">
+                  <p:tgtEl>
+                    <p:sldTgt/>
+                  </p:tgtEl>
+                </p:cond>
+              </p:nextCondLst>
+            </p:seq>
+          </p:childTnLst>
+        </p:cTn>
+      </p:par>
+    </p:tnLst>
+  </p:timing>
 </p:sld>
 </file>
 
@@ -22527,27 +22748,20 @@
           <a:p>
             <a:r>
               <a:rPr lang="it-IT" dirty="0"/>
-              <a:t>Le caratteristiche di base di Python lo rendono adatto per operazioni di analisi (in particolare estrazione e pulizia)</a:t>
+              <a:t>Le caratteristiche di Python lo rendono adatto per operazioni di analisi</a:t>
             </a:r>
           </a:p>
           <a:p>
             <a:pPr lvl="1"/>
             <a:r>
               <a:rPr lang="it-IT" dirty="0"/>
-              <a:t>Semplice da imparare ed usare</a:t>
-            </a:r>
-          </a:p>
-          <a:p>
-            <a:pPr lvl="1"/>
-            <a:r>
-              <a:rPr lang="it-IT" dirty="0"/>
-              <a:t>Utilizzabile sia in modo interattivo che per script e programmi completi</a:t>
-            </a:r>
-          </a:p>
-          <a:p>
-            <a:r>
-              <a:rPr lang="it-IT" dirty="0"/>
-              <a:t>Negli anni sono state sviluppate diverse librerie che rendono Python un </a:t>
+              <a:t>Utilizzabile in modo interattivo, script, e programmi completi</a:t>
+            </a:r>
+          </a:p>
+          <a:p>
+            <a:r>
+              <a:rPr lang="it-IT" dirty="0"/>
+              <a:t>Diverse librerie che rendono Python un </a:t>
             </a:r>
             <a:r>
               <a:rPr lang="it-IT" dirty="0">
@@ -22625,6 +22839,25 @@
             <a:r>
               <a:rPr lang="it-IT" dirty="0"/>
               <a:t> per l’applicazione di algoritmi di machine learning e data mining</a:t>
+            </a:r>
+          </a:p>
+          <a:p>
+            <a:pPr lvl="1"/>
+            <a:r>
+              <a:rPr lang="it-IT" dirty="0"/>
+              <a:t>E.g., </a:t>
+            </a:r>
+            <a:r>
+              <a:rPr lang="it-IT" dirty="0" err="1">
+                <a:solidFill>
+                  <a:schemeClr val="accent1"/>
+                </a:solidFill>
+              </a:rPr>
+              <a:t>Matplotlib</a:t>
+            </a:r>
+            <a:r>
+              <a:rPr lang="it-IT" dirty="0"/>
+              <a:t> per visualizzazione di dati</a:t>
             </a:r>
             <a:endParaRPr lang="en-US" dirty="0"/>
           </a:p>
@@ -23126,20 +23359,13 @@
             <a:pPr lvl="1"/>
             <a:r>
               <a:rPr lang="it-IT" dirty="0"/>
-              <a:t>Utilizzato di default in molte distribuzioni Linux e in Mac OS X</a:t>
+              <a:t>L’ultima versione minor prevista è la 2.7, rilasciata nel 2010</a:t>
             </a:r>
           </a:p>
           <a:p>
             <a:pPr lvl="1"/>
             <a:r>
               <a:rPr lang="it-IT" dirty="0"/>
-              <a:t>L’ultima versione minor prevista è la 2.7, rilasciata nel 2010</a:t>
-            </a:r>
-          </a:p>
-          <a:p>
-            <a:pPr lvl="1"/>
-            <a:r>
-              <a:rPr lang="it-IT" dirty="0"/>
               <a:t>Il termine del supporto è previsto nel 2020</a:t>
             </a:r>
           </a:p>
@@ -23147,13 +23373,6 @@
             <a:r>
               <a:rPr lang="it-IT" dirty="0"/>
               <a:t>Python 3 introduce novità incompatibili con Python 2</a:t>
-            </a:r>
-          </a:p>
-          <a:p>
-            <a:pPr lvl="1"/>
-            <a:r>
-              <a:rPr lang="it-IT" dirty="0"/>
-              <a:t>Prima release nel 2008, ultima versione minor 3.6 del 2016</a:t>
             </a:r>
           </a:p>
           <a:p>

--- a/01-DataPreprocessing/01-slides.pptx
+++ b/01-DataPreprocessing/01-slides.pptx
@@ -5,10 +5,10 @@
     <p:sldMasterId id="2147483648" r:id="rId1"/>
   </p:sldMasterIdLst>
   <p:notesMasterIdLst>
-    <p:notesMasterId r:id="rId42"/>
+    <p:notesMasterId r:id="rId43"/>
   </p:notesMasterIdLst>
   <p:handoutMasterIdLst>
-    <p:handoutMasterId r:id="rId43"/>
+    <p:handoutMasterId r:id="rId44"/>
   </p:handoutMasterIdLst>
   <p:sldIdLst>
     <p:sldId id="479" r:id="rId2"/>
@@ -47,10 +47,11 @@
     <p:sldId id="515" r:id="rId35"/>
     <p:sldId id="508" r:id="rId36"/>
     <p:sldId id="525" r:id="rId37"/>
-    <p:sldId id="523" r:id="rId38"/>
-    <p:sldId id="526" r:id="rId39"/>
-    <p:sldId id="512" r:id="rId40"/>
-    <p:sldId id="528" r:id="rId41"/>
+    <p:sldId id="529" r:id="rId38"/>
+    <p:sldId id="523" r:id="rId39"/>
+    <p:sldId id="526" r:id="rId40"/>
+    <p:sldId id="512" r:id="rId41"/>
+    <p:sldId id="528" r:id="rId42"/>
   </p:sldIdLst>
   <p:sldSz cx="12192000" cy="6858000"/>
   <p:notesSz cx="6858000" cy="9144000"/>
@@ -7097,7 +7098,7 @@
           <a:p>
             <a:fld id="{02297A90-1AFB-4FA1-ADF2-69FD2D1230BA}" type="datetimeFigureOut">
               <a:rPr lang="en-US" smtClean="0"/>
-              <a:t>7/13/2021</a:t>
+              <a:t>7/16/2021</a:t>
             </a:fld>
             <a:endParaRPr lang="en-US"/>
           </a:p>
@@ -7275,7 +7276,7 @@
           <a:p>
             <a:fld id="{2D15495C-7C85-4DFE-8C2B-354A7A489EB6}" type="datetimeFigureOut">
               <a:rPr lang="it-IT" smtClean="0"/>
-              <a:t>13/07/2021</a:t>
+              <a:t>16/07/2021</a:t>
             </a:fld>
             <a:endParaRPr lang="it-IT"/>
           </a:p>
@@ -12100,6 +12101,106 @@
           </a:p>
         </p:txBody>
       </p:sp>
+      <p:pic>
+        <p:nvPicPr>
+          <p:cNvPr id="9" name="Picture 5">
+            <a:extLst>
+              <a:ext uri="{FF2B5EF4-FFF2-40B4-BE49-F238E27FC236}">
+                <a16:creationId xmlns:a16="http://schemas.microsoft.com/office/drawing/2014/main" id="{F341C4F9-048F-4D61-A216-02DDCC4885A2}"/>
+              </a:ext>
+            </a:extLst>
+          </p:cNvPr>
+          <p:cNvPicPr>
+            <a:picLocks noChangeAspect="1"/>
+          </p:cNvPicPr>
+          <p:nvPr/>
+        </p:nvPicPr>
+        <p:blipFill>
+          <a:blip r:embed="rId9"/>
+          <a:stretch>
+            <a:fillRect/>
+          </a:stretch>
+        </p:blipFill>
+        <p:spPr>
+          <a:xfrm>
+            <a:off x="8179799" y="5335178"/>
+            <a:ext cx="2523036" cy="1451610"/>
+          </a:xfrm>
+          <a:prstGeom prst="rect">
+            <a:avLst/>
+          </a:prstGeom>
+        </p:spPr>
+      </p:pic>
+      <p:sp>
+        <p:nvSpPr>
+          <p:cNvPr id="11" name="Oval 10">
+            <a:extLst>
+              <a:ext uri="{FF2B5EF4-FFF2-40B4-BE49-F238E27FC236}">
+                <a16:creationId xmlns:a16="http://schemas.microsoft.com/office/drawing/2014/main" id="{5BDE040F-E1CD-4BDF-B842-6C9852284AE2}"/>
+              </a:ext>
+            </a:extLst>
+          </p:cNvPr>
+          <p:cNvSpPr/>
+          <p:nvPr/>
+        </p:nvSpPr>
+        <p:spPr>
+          <a:xfrm>
+            <a:off x="7943965" y="5106578"/>
+            <a:ext cx="457200" cy="457200"/>
+          </a:xfrm>
+          <a:prstGeom prst="ellipse">
+            <a:avLst/>
+          </a:prstGeom>
+          <a:solidFill>
+            <a:schemeClr val="bg1"/>
+          </a:solidFill>
+          <a:ln>
+            <a:solidFill>
+              <a:schemeClr val="tx1"/>
+            </a:solidFill>
+          </a:ln>
+        </p:spPr>
+        <p:style>
+          <a:lnRef idx="2">
+            <a:schemeClr val="accent1">
+              <a:shade val="50000"/>
+            </a:schemeClr>
+          </a:lnRef>
+          <a:fillRef idx="1">
+            <a:schemeClr val="accent1"/>
+          </a:fillRef>
+          <a:effectRef idx="0">
+            <a:schemeClr val="accent1"/>
+          </a:effectRef>
+          <a:fontRef idx="minor">
+            <a:schemeClr val="lt1"/>
+          </a:fontRef>
+        </p:style>
+        <p:txBody>
+          <a:bodyPr rtlCol="0" anchor="ctr"/>
+          <a:lstStyle/>
+          <a:p>
+            <a:pPr algn="ctr"/>
+            <a:r>
+              <a:rPr lang="it-IT" dirty="0">
+                <a:solidFill>
+                  <a:schemeClr val="tx1"/>
+                </a:solidFill>
+                <a:latin typeface="Helvetica" panose="020B0604020202020204" pitchFamily="34" charset="0"/>
+                <a:cs typeface="Helvetica" panose="020B0604020202020204" pitchFamily="34" charset="0"/>
+              </a:rPr>
+              <a:t>2</a:t>
+            </a:r>
+            <a:endParaRPr lang="en-US" dirty="0">
+              <a:solidFill>
+                <a:schemeClr val="tx1"/>
+              </a:solidFill>
+              <a:latin typeface="Helvetica" panose="020B0604020202020204" pitchFamily="34" charset="0"/>
+              <a:cs typeface="Helvetica" panose="020B0604020202020204" pitchFamily="34" charset="0"/>
+            </a:endParaRPr>
+          </a:p>
+        </p:txBody>
+      </p:sp>
     </p:spTree>
     <p:extLst>
       <p:ext uri="{BB962C8B-B14F-4D97-AF65-F5344CB8AC3E}">
@@ -12211,7 +12312,7 @@
             </a:r>
             <a:r>
               <a:rPr lang="it-IT" dirty="0"/>
-              <a:t> dei dati da una o più sorgenti (database, servizi Web, …)</a:t>
+              <a:t> dei dati da una o più sorgenti (database, servizi web, etc.)</a:t>
             </a:r>
           </a:p>
           <a:p>
@@ -12256,7 +12357,7 @@
             </a:r>
             <a:r>
               <a:rPr lang="it-IT" dirty="0"/>
-              <a:t> di conoscenza dai dati (statistiche, modelli predittivi, …)</a:t>
+              <a:t> di conoscenza dai dati (statistiche, modelli predittivi, etc.)</a:t>
             </a:r>
           </a:p>
           <a:p>
@@ -12286,7 +12387,7 @@
             </a:r>
             <a:r>
               <a:rPr lang="it-IT" dirty="0"/>
-              <a:t> della conoscenza (es. predizioni) in applicazioni</a:t>
+              <a:t> della conoscenza in applicazioni</a:t>
             </a:r>
           </a:p>
         </p:txBody>
@@ -15545,7 +15646,7 @@
             <a:pPr lvl="1"/>
             <a:r>
               <a:rPr lang="it-IT" dirty="0"/>
-              <a:t>Disponibile per i principali SO (Linux, Mac, Windows, …)</a:t>
+              <a:t>Disponibile per i principali SO (Linux, Mac, Windows, etc.)</a:t>
             </a:r>
           </a:p>
           <a:p>
@@ -15567,7 +15668,7 @@
             <a:pPr lvl="1"/>
             <a:r>
               <a:rPr lang="it-IT" dirty="0"/>
-              <a:t>Integrabile in altri linguaggi (C, C++, Java, …)</a:t>
+              <a:t>Integrabile in altri linguaggi (C, C++, Java, etc.)</a:t>
             </a:r>
           </a:p>
           <a:p>
@@ -17552,6 +17653,51 @@
             </a:r>
             <a:endParaRPr lang="en-US" dirty="0"/>
           </a:p>
+          <a:p>
+            <a:endParaRPr lang="en-US" dirty="0"/>
+          </a:p>
+          <a:p>
+            <a:r>
+              <a:rPr lang="en-US" dirty="0" err="1"/>
+              <a:t>Quali</a:t>
+            </a:r>
+            <a:r>
+              <a:rPr lang="en-US" dirty="0"/>
+              <a:t> </a:t>
+            </a:r>
+            <a:r>
+              <a:rPr lang="en-US" dirty="0" err="1"/>
+              <a:t>problemi</a:t>
+            </a:r>
+            <a:r>
+              <a:rPr lang="en-US" dirty="0"/>
+              <a:t> </a:t>
+            </a:r>
+            <a:r>
+              <a:rPr lang="en-US" dirty="0" err="1"/>
+              <a:t>può</a:t>
+            </a:r>
+            <a:r>
+              <a:rPr lang="en-US" dirty="0"/>
+              <a:t> </a:t>
+            </a:r>
+            <a:r>
+              <a:rPr lang="en-US" dirty="0" err="1"/>
+              <a:t>causare</a:t>
+            </a:r>
+            <a:r>
+              <a:rPr lang="en-US" dirty="0"/>
+              <a:t> una </a:t>
+            </a:r>
+            <a:r>
+              <a:rPr lang="en-US" dirty="0" err="1"/>
+              <a:t>distribuzione</a:t>
+            </a:r>
+            <a:r>
+              <a:rPr lang="en-US" dirty="0"/>
+              <a:t> “skewed”?</a:t>
+            </a:r>
+          </a:p>
         </p:txBody>
       </p:sp>
       <p:pic>
@@ -17651,31 +17797,41 @@
           </a:p>
         </p:txBody>
       </p:sp>
-      <p:sp>
-        <p:nvSpPr>
-          <p:cNvPr id="13" name="Segnaposto contenuto 12">
-            <a:extLst>
-              <a:ext uri="{FF2B5EF4-FFF2-40B4-BE49-F238E27FC236}">
-                <a16:creationId xmlns:a16="http://schemas.microsoft.com/office/drawing/2014/main" id="{95996ECB-15F1-4D2B-85D3-9CC408776A62}"/>
-              </a:ext>
-            </a:extLst>
-          </p:cNvPr>
-          <p:cNvSpPr>
-            <a:spLocks noGrp="1"/>
-          </p:cNvSpPr>
+      <p:pic>
+        <p:nvPicPr>
+          <p:cNvPr id="8" name="Segnaposto contenuto 7">
+            <a:extLst>
+              <a:ext uri="{FF2B5EF4-FFF2-40B4-BE49-F238E27FC236}">
+                <a16:creationId xmlns:a16="http://schemas.microsoft.com/office/drawing/2014/main" id="{9C30696C-6B67-4554-A617-FC29E1320BE9}"/>
+              </a:ext>
+            </a:extLst>
+          </p:cNvPr>
+          <p:cNvPicPr>
+            <a:picLocks noGrp="1" noChangeAspect="1"/>
+          </p:cNvPicPr>
           <p:nvPr>
             <p:ph idx="13"/>
           </p:nvPr>
-        </p:nvSpPr>
-        <p:spPr/>
-        <p:txBody>
-          <a:bodyPr/>
-          <a:lstStyle/>
-          <a:p>
-            <a:endParaRPr lang="en-US"/>
-          </a:p>
-        </p:txBody>
-      </p:sp>
+        </p:nvPicPr>
+        <p:blipFill>
+          <a:blip r:embed="rId3">
+            <a:extLst>
+              <a:ext uri="{28A0092B-C50C-407E-A947-70E740481C1C}">
+                <a14:useLocalDpi xmlns:a14="http://schemas.microsoft.com/office/drawing/2010/main" val="0"/>
+              </a:ext>
+            </a:extLst>
+          </a:blip>
+          <a:stretch>
+            <a:fillRect/>
+          </a:stretch>
+        </p:blipFill>
+        <p:spPr>
+          <a:xfrm>
+            <a:off x="1298825" y="5329783"/>
+            <a:ext cx="3077934" cy="1163091"/>
+          </a:xfrm>
+        </p:spPr>
+      </p:pic>
       <p:sp>
         <p:nvSpPr>
           <p:cNvPr id="2" name="Rectangle 1">
@@ -19206,14 +19362,14 @@
             <a:pPr lvl="1"/>
             <a:r>
               <a:rPr lang="it-IT" dirty="0"/>
+              <a:t>Usato per molteplici scopi (scripting, data science, etc.) </a:t>
+            </a:r>
+          </a:p>
+          <a:p>
+            <a:pPr lvl="1"/>
+            <a:r>
+              <a:rPr lang="it-IT" dirty="0"/>
               <a:t>Usato per prototipazione e cicli di sviluppo rapidi</a:t>
-            </a:r>
-          </a:p>
-          <a:p>
-            <a:pPr lvl="1"/>
-            <a:r>
-              <a:rPr lang="it-IT" dirty="0"/>
-              <a:t>Usato per molteplici scopi (scripting, data science, etc.)</a:t>
             </a:r>
           </a:p>
           <a:p>
@@ -19236,7 +19392,7 @@
             <a:pPr lvl="2"/>
             <a:r>
               <a:rPr lang="it-IT" dirty="0"/>
-              <a:t>Include una libreria standard di molte funzioni di uso comune</a:t>
+              <a:t>Include una libreria standard</a:t>
             </a:r>
           </a:p>
           <a:p>
@@ -21468,6 +21624,236 @@
           </a:p>
         </p:txBody>
       </p:sp>
+      <p:pic>
+        <p:nvPicPr>
+          <p:cNvPr id="12" name="Content Placeholder 11">
+            <a:extLst>
+              <a:ext uri="{FF2B5EF4-FFF2-40B4-BE49-F238E27FC236}">
+                <a16:creationId xmlns:a16="http://schemas.microsoft.com/office/drawing/2014/main" id="{F6A6C9BB-DBD3-447C-B2E4-722D867F4E82}"/>
+              </a:ext>
+            </a:extLst>
+          </p:cNvPr>
+          <p:cNvPicPr>
+            <a:picLocks noGrp="1" noChangeAspect="1"/>
+          </p:cNvPicPr>
+          <p:nvPr>
+            <p:ph sz="half" idx="2"/>
+          </p:nvPr>
+        </p:nvPicPr>
+        <p:blipFill>
+          <a:blip r:embed="rId2"/>
+          <a:stretch>
+            <a:fillRect/>
+          </a:stretch>
+        </p:blipFill>
+        <p:spPr>
+          <a:xfrm>
+            <a:off x="6172200" y="2088491"/>
+            <a:ext cx="5181600" cy="3825606"/>
+          </a:xfrm>
+        </p:spPr>
+      </p:pic>
+      <p:sp>
+        <p:nvSpPr>
+          <p:cNvPr id="5" name="Footer Placeholder 4">
+            <a:extLst>
+              <a:ext uri="{FF2B5EF4-FFF2-40B4-BE49-F238E27FC236}">
+                <a16:creationId xmlns:a16="http://schemas.microsoft.com/office/drawing/2014/main" id="{451A0E4F-A40E-41B8-A1C4-70246B56D124}"/>
+              </a:ext>
+            </a:extLst>
+          </p:cNvPr>
+          <p:cNvSpPr>
+            <a:spLocks noGrp="1"/>
+          </p:cNvSpPr>
+          <p:nvPr>
+            <p:ph type="ftr" sz="quarter" idx="11"/>
+          </p:nvPr>
+        </p:nvSpPr>
+        <p:spPr>
+          <a:xfrm>
+            <a:off x="-1" y="6492875"/>
+            <a:ext cx="2837793" cy="365125"/>
+          </a:xfrm>
+        </p:spPr>
+        <p:txBody>
+          <a:bodyPr/>
+          <a:lstStyle/>
+          <a:p>
+            <a:r>
+              <a:rPr lang="it-IT"/>
+              <a:t>Matteo Francia – University of Bologna</a:t>
+            </a:r>
+          </a:p>
+        </p:txBody>
+      </p:sp>
+      <p:sp>
+        <p:nvSpPr>
+          <p:cNvPr id="6" name="Slide Number Placeholder 5">
+            <a:extLst>
+              <a:ext uri="{FF2B5EF4-FFF2-40B4-BE49-F238E27FC236}">
+                <a16:creationId xmlns:a16="http://schemas.microsoft.com/office/drawing/2014/main" id="{240950CC-5227-4892-818F-1BE5F4F01CAB}"/>
+              </a:ext>
+            </a:extLst>
+          </p:cNvPr>
+          <p:cNvSpPr>
+            <a:spLocks noGrp="1"/>
+          </p:cNvSpPr>
+          <p:nvPr>
+            <p:ph type="sldNum" sz="quarter" idx="12"/>
+          </p:nvPr>
+        </p:nvSpPr>
+        <p:spPr>
+          <a:xfrm>
+            <a:off x="9448800" y="6492874"/>
+            <a:ext cx="2743200" cy="365125"/>
+          </a:xfrm>
+        </p:spPr>
+        <p:txBody>
+          <a:bodyPr/>
+          <a:lstStyle/>
+          <a:p>
+            <a:fld id="{5DD6F1BA-2510-46FC-9346-AB1F3CA1593B}" type="slidenum">
+              <a:rPr lang="it-IT" smtClean="0"/>
+              <a:pPr/>
+              <a:t>37</a:t>
+            </a:fld>
+            <a:endParaRPr lang="it-IT"/>
+          </a:p>
+        </p:txBody>
+      </p:sp>
+      <p:sp>
+        <p:nvSpPr>
+          <p:cNvPr id="24" name="Content Placeholder 23">
+            <a:extLst>
+              <a:ext uri="{FF2B5EF4-FFF2-40B4-BE49-F238E27FC236}">
+                <a16:creationId xmlns:a16="http://schemas.microsoft.com/office/drawing/2014/main" id="{D1FA923E-4272-4098-B663-F19C3CF759E0}"/>
+              </a:ext>
+            </a:extLst>
+          </p:cNvPr>
+          <p:cNvSpPr>
+            <a:spLocks noGrp="1"/>
+          </p:cNvSpPr>
+          <p:nvPr>
+            <p:ph idx="13"/>
+          </p:nvPr>
+        </p:nvSpPr>
+        <p:spPr/>
+        <p:txBody>
+          <a:bodyPr/>
+          <a:lstStyle/>
+          <a:p>
+            <a:endParaRPr lang="en-US"/>
+          </a:p>
+        </p:txBody>
+      </p:sp>
+      <p:pic>
+        <p:nvPicPr>
+          <p:cNvPr id="15" name="Segnaposto contenuto 14">
+            <a:extLst>
+              <a:ext uri="{FF2B5EF4-FFF2-40B4-BE49-F238E27FC236}">
+                <a16:creationId xmlns:a16="http://schemas.microsoft.com/office/drawing/2014/main" id="{9740ED71-556D-4864-8440-503A98D74AAD}"/>
+              </a:ext>
+            </a:extLst>
+          </p:cNvPr>
+          <p:cNvPicPr>
+            <a:picLocks noGrp="1" noChangeAspect="1"/>
+          </p:cNvPicPr>
+          <p:nvPr>
+            <p:ph sz="half" idx="1"/>
+          </p:nvPr>
+        </p:nvPicPr>
+        <p:blipFill>
+          <a:blip r:embed="rId3"/>
+          <a:stretch>
+            <a:fillRect/>
+          </a:stretch>
+        </p:blipFill>
+        <p:spPr>
+          <a:xfrm>
+            <a:off x="1626373" y="2210681"/>
+            <a:ext cx="3804184" cy="3421154"/>
+          </a:xfrm>
+          <a:prstGeom prst="rect">
+            <a:avLst/>
+          </a:prstGeom>
+        </p:spPr>
+      </p:pic>
+    </p:spTree>
+    <p:extLst>
+      <p:ext uri="{BB962C8B-B14F-4D97-AF65-F5344CB8AC3E}">
+        <p14:creationId xmlns:p14="http://schemas.microsoft.com/office/powerpoint/2010/main" val="967579222"/>
+      </p:ext>
+    </p:extLst>
+  </p:cSld>
+  <p:clrMapOvr>
+    <a:masterClrMapping/>
+  </p:clrMapOvr>
+</p:sld>
+</file>
+
+<file path=ppt/slides/slide38.xml><?xml version="1.0" encoding="utf-8"?>
+<p:sld xmlns:a="http://schemas.openxmlformats.org/drawingml/2006/main" xmlns:r="http://schemas.openxmlformats.org/officeDocument/2006/relationships" xmlns:p="http://schemas.openxmlformats.org/presentationml/2006/main">
+  <p:cSld>
+    <p:spTree>
+      <p:nvGrpSpPr>
+        <p:cNvPr id="1" name=""/>
+        <p:cNvGrpSpPr/>
+        <p:nvPr/>
+      </p:nvGrpSpPr>
+      <p:grpSpPr>
+        <a:xfrm>
+          <a:off x="0" y="0"/>
+          <a:ext cx="0" cy="0"/>
+          <a:chOff x="0" y="0"/>
+          <a:chExt cx="0" cy="0"/>
+        </a:xfrm>
+      </p:grpSpPr>
+      <p:sp>
+        <p:nvSpPr>
+          <p:cNvPr id="14" name="Title 13">
+            <a:extLst>
+              <a:ext uri="{FF2B5EF4-FFF2-40B4-BE49-F238E27FC236}">
+                <a16:creationId xmlns:a16="http://schemas.microsoft.com/office/drawing/2014/main" id="{7FD6D1A2-CF14-45EA-AE21-B220A4E2308D}"/>
+              </a:ext>
+            </a:extLst>
+          </p:cNvPr>
+          <p:cNvSpPr>
+            <a:spLocks noGrp="1"/>
+          </p:cNvSpPr>
+          <p:nvPr>
+            <p:ph type="title"/>
+          </p:nvPr>
+        </p:nvSpPr>
+        <p:spPr>
+          <a:xfrm>
+            <a:off x="838200" y="365125"/>
+            <a:ext cx="10515600" cy="1325563"/>
+          </a:xfrm>
+        </p:spPr>
+        <p:txBody>
+          <a:bodyPr/>
+          <a:lstStyle/>
+          <a:p>
+            <a:r>
+              <a:rPr lang="it-IT" dirty="0" err="1"/>
+              <a:t>Integrated</a:t>
+            </a:r>
+            <a:r>
+              <a:rPr lang="it-IT" dirty="0"/>
+              <a:t> </a:t>
+            </a:r>
+            <a:r>
+              <a:rPr lang="it-IT" dirty="0" err="1"/>
+              <a:t>analytics</a:t>
+            </a:r>
+            <a:r>
+              <a:rPr lang="it-IT" dirty="0"/>
+              <a:t> lab</a:t>
+            </a:r>
+            <a:endParaRPr lang="en-US" dirty="0"/>
+          </a:p>
+        </p:txBody>
+      </p:sp>
       <p:sp>
         <p:nvSpPr>
           <p:cNvPr id="9" name="Content Placeholder 8">
@@ -21592,7 +21978,7 @@
             <a:fld id="{5DD6F1BA-2510-46FC-9346-AB1F3CA1593B}" type="slidenum">
               <a:rPr lang="it-IT" smtClean="0"/>
               <a:pPr/>
-              <a:t>37</a:t>
+              <a:t>38</a:t>
             </a:fld>
             <a:endParaRPr lang="it-IT"/>
           </a:p>
@@ -21666,7 +22052,7 @@
 </p:sld>
 </file>
 
-<file path=ppt/slides/slide38.xml><?xml version="1.0" encoding="utf-8"?>
+<file path=ppt/slides/slide39.xml><?xml version="1.0" encoding="utf-8"?>
 <p:sld xmlns:a="http://schemas.openxmlformats.org/drawingml/2006/main" xmlns:r="http://schemas.openxmlformats.org/officeDocument/2006/relationships" xmlns:p="http://schemas.openxmlformats.org/presentationml/2006/main">
   <p:cSld>
     <p:spTree>
@@ -21799,7 +22185,7 @@
             <a:pPr lvl="3"/>
             <a:r>
               <a:rPr lang="en-US" dirty="0"/>
-              <a:t>In typical environments your data would be available in a relational database (or some other common data store) and spread across multiple tables/documents/files</a:t>
+              <a:t>In typical environments your data would be available in a relational database (or some other common data store) and/or spread across multiple tables/documents/files</a:t>
             </a:r>
           </a:p>
           <a:p>
@@ -21916,7 +22302,7 @@
             <a:fld id="{5DD6F1BA-2510-46FC-9346-AB1F3CA1593B}" type="slidenum">
               <a:rPr lang="it-IT" smtClean="0"/>
               <a:pPr/>
-              <a:t>38</a:t>
+              <a:t>39</a:t>
             </a:fld>
             <a:endParaRPr lang="it-IT"/>
           </a:p>
@@ -22305,7 +22691,7 @@
 </p:sld>
 </file>
 
-<file path=ppt/slides/slide39.xml><?xml version="1.0" encoding="utf-8"?>
+<file path=ppt/slides/slide4.xml><?xml version="1.0" encoding="utf-8"?>
 <p:sld xmlns:a="http://schemas.openxmlformats.org/drawingml/2006/main" xmlns:r="http://schemas.openxmlformats.org/officeDocument/2006/relationships" xmlns:p="http://schemas.openxmlformats.org/presentationml/2006/main">
   <p:cSld>
     <p:spTree>
@@ -22324,6 +22710,306 @@
       </p:grpSpPr>
       <p:sp>
         <p:nvSpPr>
+          <p:cNvPr id="2" name="Titolo 1">
+            <a:extLst>
+              <a:ext uri="{FF2B5EF4-FFF2-40B4-BE49-F238E27FC236}">
+                <a16:creationId xmlns:a16="http://schemas.microsoft.com/office/drawing/2014/main" id="{6773893C-E8F2-409B-B10B-7FF34CD9D76C}"/>
+              </a:ext>
+            </a:extLst>
+          </p:cNvPr>
+          <p:cNvSpPr>
+            <a:spLocks noGrp="1"/>
+          </p:cNvSpPr>
+          <p:nvPr>
+            <p:ph type="title"/>
+          </p:nvPr>
+        </p:nvSpPr>
+        <p:spPr>
+          <a:xfrm>
+            <a:off x="838200" y="365125"/>
+            <a:ext cx="10515600" cy="1325563"/>
+          </a:xfrm>
+        </p:spPr>
+        <p:txBody>
+          <a:bodyPr/>
+          <a:lstStyle/>
+          <a:p>
+            <a:r>
+              <a:rPr lang="it-IT" dirty="0"/>
+              <a:t>Python</a:t>
+            </a:r>
+            <a:endParaRPr lang="en-US" dirty="0"/>
+          </a:p>
+        </p:txBody>
+      </p:sp>
+      <p:sp>
+        <p:nvSpPr>
+          <p:cNvPr id="3" name="Segnaposto contenuto 2">
+            <a:extLst>
+              <a:ext uri="{FF2B5EF4-FFF2-40B4-BE49-F238E27FC236}">
+                <a16:creationId xmlns:a16="http://schemas.microsoft.com/office/drawing/2014/main" id="{0D4953C0-CA08-4D5E-8515-AA784DA7F464}"/>
+              </a:ext>
+            </a:extLst>
+          </p:cNvPr>
+          <p:cNvSpPr>
+            <a:spLocks noGrp="1"/>
+          </p:cNvSpPr>
+          <p:nvPr>
+            <p:ph idx="1"/>
+          </p:nvPr>
+        </p:nvSpPr>
+        <p:spPr>
+          <a:xfrm>
+            <a:off x="838200" y="1700499"/>
+            <a:ext cx="10515600" cy="4351338"/>
+          </a:xfrm>
+        </p:spPr>
+        <p:txBody>
+          <a:bodyPr/>
+          <a:lstStyle/>
+          <a:p>
+            <a:r>
+              <a:rPr lang="it-IT" dirty="0"/>
+              <a:t>Le caratteristiche di Python lo rendono adatto per operazioni di analisi</a:t>
+            </a:r>
+          </a:p>
+          <a:p>
+            <a:pPr lvl="1"/>
+            <a:r>
+              <a:rPr lang="it-IT" dirty="0"/>
+              <a:t>Utilizzabile in modo interattivo, script, e programmi completi</a:t>
+            </a:r>
+          </a:p>
+          <a:p>
+            <a:r>
+              <a:rPr lang="it-IT" dirty="0"/>
+              <a:t>Diverse librerie che rendono Python un </a:t>
+            </a:r>
+            <a:r>
+              <a:rPr lang="it-IT" dirty="0">
+                <a:solidFill>
+                  <a:srgbClr val="FF0000"/>
+                </a:solidFill>
+              </a:rPr>
+              <a:t>ambiente completo </a:t>
+            </a:r>
+            <a:r>
+              <a:rPr lang="it-IT" dirty="0"/>
+              <a:t>di analisi dati</a:t>
+            </a:r>
+          </a:p>
+          <a:p>
+            <a:pPr lvl="1"/>
+            <a:r>
+              <a:rPr lang="it-IT" dirty="0"/>
+              <a:t>Python è sempre più usato in sostituzione di R e altri software ad-hoc</a:t>
+            </a:r>
+            <a:endParaRPr lang="en-US" dirty="0"/>
+          </a:p>
+          <a:p>
+            <a:pPr lvl="1"/>
+            <a:r>
+              <a:rPr lang="it-IT" dirty="0"/>
+              <a:t>E.g., </a:t>
+            </a:r>
+            <a:r>
+              <a:rPr lang="it-IT" dirty="0" err="1">
+                <a:solidFill>
+                  <a:schemeClr val="accent1"/>
+                </a:solidFill>
+              </a:rPr>
+              <a:t>NumPy</a:t>
+            </a:r>
+            <a:r>
+              <a:rPr lang="it-IT" dirty="0"/>
+              <a:t> per la rappresentazione di dati in forma di vettori e matrici</a:t>
+            </a:r>
+          </a:p>
+          <a:p>
+            <a:pPr lvl="1"/>
+            <a:r>
+              <a:rPr lang="it-IT" dirty="0"/>
+              <a:t>E.g., </a:t>
+            </a:r>
+            <a:r>
+              <a:rPr lang="it-IT" dirty="0" err="1">
+                <a:solidFill>
+                  <a:schemeClr val="accent1"/>
+                </a:solidFill>
+              </a:rPr>
+              <a:t>Pandas</a:t>
+            </a:r>
+            <a:r>
+              <a:rPr lang="it-IT" dirty="0"/>
+              <a:t> per la manipolazione e trasformazione di dati tabellari</a:t>
+            </a:r>
+          </a:p>
+          <a:p>
+            <a:pPr lvl="1"/>
+            <a:r>
+              <a:rPr lang="it-IT" dirty="0"/>
+              <a:t>E.g., </a:t>
+            </a:r>
+            <a:r>
+              <a:rPr lang="it-IT" dirty="0" err="1">
+                <a:solidFill>
+                  <a:schemeClr val="accent1"/>
+                </a:solidFill>
+              </a:rPr>
+              <a:t>Sklearn</a:t>
+            </a:r>
+            <a:r>
+              <a:rPr lang="it-IT" dirty="0"/>
+              <a:t> per l’applicazione di algoritmi di machine learning e data mining</a:t>
+            </a:r>
+          </a:p>
+          <a:p>
+            <a:pPr lvl="1"/>
+            <a:r>
+              <a:rPr lang="it-IT" dirty="0"/>
+              <a:t>E.g., </a:t>
+            </a:r>
+            <a:r>
+              <a:rPr lang="it-IT" dirty="0" err="1">
+                <a:solidFill>
+                  <a:schemeClr val="accent1"/>
+                </a:solidFill>
+              </a:rPr>
+              <a:t>Matplotlib</a:t>
+            </a:r>
+            <a:r>
+              <a:rPr lang="it-IT" dirty="0"/>
+              <a:t> per visualizzazione di dati</a:t>
+            </a:r>
+            <a:endParaRPr lang="en-US" dirty="0"/>
+          </a:p>
+        </p:txBody>
+      </p:sp>
+      <p:sp>
+        <p:nvSpPr>
+          <p:cNvPr id="4" name="Segnaposto piè di pagina 3">
+            <a:extLst>
+              <a:ext uri="{FF2B5EF4-FFF2-40B4-BE49-F238E27FC236}">
+                <a16:creationId xmlns:a16="http://schemas.microsoft.com/office/drawing/2014/main" id="{6B33E78A-30FF-4D1F-A0F8-6C029FEBB27C}"/>
+              </a:ext>
+            </a:extLst>
+          </p:cNvPr>
+          <p:cNvSpPr>
+            <a:spLocks noGrp="1"/>
+          </p:cNvSpPr>
+          <p:nvPr>
+            <p:ph type="ftr" sz="quarter" idx="11"/>
+          </p:nvPr>
+        </p:nvSpPr>
+        <p:spPr>
+          <a:xfrm>
+            <a:off x="-1" y="6492875"/>
+            <a:ext cx="2837793" cy="365125"/>
+          </a:xfrm>
+        </p:spPr>
+        <p:txBody>
+          <a:bodyPr/>
+          <a:lstStyle/>
+          <a:p>
+            <a:r>
+              <a:rPr lang="it-IT" dirty="0"/>
+              <a:t>Matteo Francia – University of Bologna</a:t>
+            </a:r>
+          </a:p>
+        </p:txBody>
+      </p:sp>
+      <p:sp>
+        <p:nvSpPr>
+          <p:cNvPr id="5" name="Segnaposto numero diapositiva 4">
+            <a:extLst>
+              <a:ext uri="{FF2B5EF4-FFF2-40B4-BE49-F238E27FC236}">
+                <a16:creationId xmlns:a16="http://schemas.microsoft.com/office/drawing/2014/main" id="{6D48D97F-42B6-4452-B50F-836AB13F7D9E}"/>
+              </a:ext>
+            </a:extLst>
+          </p:cNvPr>
+          <p:cNvSpPr>
+            <a:spLocks noGrp="1"/>
+          </p:cNvSpPr>
+          <p:nvPr>
+            <p:ph type="sldNum" sz="quarter" idx="12"/>
+          </p:nvPr>
+        </p:nvSpPr>
+        <p:spPr>
+          <a:xfrm>
+            <a:off x="9448800" y="6492874"/>
+            <a:ext cx="2743200" cy="365125"/>
+          </a:xfrm>
+        </p:spPr>
+        <p:txBody>
+          <a:bodyPr/>
+          <a:lstStyle/>
+          <a:p>
+            <a:fld id="{5DD6F1BA-2510-46FC-9346-AB1F3CA1593B}" type="slidenum">
+              <a:rPr lang="it-IT" smtClean="0"/>
+              <a:pPr/>
+              <a:t>4</a:t>
+            </a:fld>
+            <a:endParaRPr lang="it-IT"/>
+          </a:p>
+        </p:txBody>
+      </p:sp>
+      <p:sp>
+        <p:nvSpPr>
+          <p:cNvPr id="11" name="Segnaposto contenuto 10">
+            <a:extLst>
+              <a:ext uri="{FF2B5EF4-FFF2-40B4-BE49-F238E27FC236}">
+                <a16:creationId xmlns:a16="http://schemas.microsoft.com/office/drawing/2014/main" id="{C72A4F33-D7C4-459F-A852-DFDFB315E111}"/>
+              </a:ext>
+            </a:extLst>
+          </p:cNvPr>
+          <p:cNvSpPr>
+            <a:spLocks noGrp="1"/>
+          </p:cNvSpPr>
+          <p:nvPr>
+            <p:ph idx="13"/>
+          </p:nvPr>
+        </p:nvSpPr>
+        <p:spPr/>
+        <p:txBody>
+          <a:bodyPr/>
+          <a:lstStyle/>
+          <a:p>
+            <a:endParaRPr lang="en-US"/>
+          </a:p>
+        </p:txBody>
+      </p:sp>
+    </p:spTree>
+    <p:extLst>
+      <p:ext uri="{BB962C8B-B14F-4D97-AF65-F5344CB8AC3E}">
+        <p14:creationId xmlns:p14="http://schemas.microsoft.com/office/powerpoint/2010/main" val="1208997244"/>
+      </p:ext>
+    </p:extLst>
+  </p:cSld>
+  <p:clrMapOvr>
+    <a:masterClrMapping/>
+  </p:clrMapOvr>
+</p:sld>
+</file>
+
+<file path=ppt/slides/slide40.xml><?xml version="1.0" encoding="utf-8"?>
+<p:sld xmlns:a="http://schemas.openxmlformats.org/drawingml/2006/main" xmlns:r="http://schemas.openxmlformats.org/officeDocument/2006/relationships" xmlns:p="http://schemas.openxmlformats.org/presentationml/2006/main">
+  <p:cSld>
+    <p:spTree>
+      <p:nvGrpSpPr>
+        <p:cNvPr id="1" name=""/>
+        <p:cNvGrpSpPr/>
+        <p:nvPr/>
+      </p:nvGrpSpPr>
+      <p:grpSpPr>
+        <a:xfrm>
+          <a:off x="0" y="0"/>
+          <a:ext cx="0" cy="0"/>
+          <a:chOff x="0" y="0"/>
+          <a:chExt cx="0" cy="0"/>
+        </a:xfrm>
+      </p:grpSpPr>
+      <p:sp>
+        <p:nvSpPr>
           <p:cNvPr id="2" name="Title 1">
             <a:extLst>
               <a:ext uri="{FF2B5EF4-FFF2-40B4-BE49-F238E27FC236}">
@@ -22473,7 +23159,7 @@
           <a:p>
             <a:fld id="{5DD6F1BA-2510-46FC-9346-AB1F3CA1593B}" type="slidenum">
               <a:rPr lang="it-IT" smtClean="0"/>
-              <a:t>39</a:t>
+              <a:t>40</a:t>
             </a:fld>
             <a:endParaRPr lang="it-IT"/>
           </a:p>
@@ -22669,7 +23355,7 @@
 </p:sld>
 </file>
 
-<file path=ppt/slides/slide4.xml><?xml version="1.0" encoding="utf-8"?>
+<file path=ppt/slides/slide41.xml><?xml version="1.0" encoding="utf-8"?>
 <p:sld xmlns:a="http://schemas.openxmlformats.org/drawingml/2006/main" xmlns:r="http://schemas.openxmlformats.org/officeDocument/2006/relationships" xmlns:p="http://schemas.openxmlformats.org/presentationml/2006/main">
   <p:cSld>
     <p:spTree>
@@ -22688,10 +23374,10 @@
       </p:grpSpPr>
       <p:sp>
         <p:nvSpPr>
-          <p:cNvPr id="2" name="Titolo 1">
-            <a:extLst>
-              <a:ext uri="{FF2B5EF4-FFF2-40B4-BE49-F238E27FC236}">
-                <a16:creationId xmlns:a16="http://schemas.microsoft.com/office/drawing/2014/main" id="{6773893C-E8F2-409B-B10B-7FF34CD9D76C}"/>
+          <p:cNvPr id="14" name="Title 13">
+            <a:extLst>
+              <a:ext uri="{FF2B5EF4-FFF2-40B4-BE49-F238E27FC236}">
+                <a16:creationId xmlns:a16="http://schemas.microsoft.com/office/drawing/2014/main" id="{7FD6D1A2-CF14-45EA-AE21-B220A4E2308D}"/>
               </a:ext>
             </a:extLst>
           </p:cNvPr>
@@ -22713,8 +23399,20 @@
           <a:lstStyle/>
           <a:p>
             <a:r>
-              <a:rPr lang="it-IT" dirty="0"/>
-              <a:t>Python</a:t>
+              <a:rPr lang="it-IT" dirty="0" err="1"/>
+              <a:t>Integrated</a:t>
+            </a:r>
+            <a:r>
+              <a:rPr lang="it-IT" dirty="0"/>
+              <a:t> </a:t>
+            </a:r>
+            <a:r>
+              <a:rPr lang="it-IT" dirty="0" err="1"/>
+              <a:t>analytics</a:t>
+            </a:r>
+            <a:r>
+              <a:rPr lang="it-IT" dirty="0"/>
+              <a:t> lab</a:t>
             </a:r>
             <a:endParaRPr lang="en-US" dirty="0"/>
           </a:p>
@@ -22722,10 +23420,10 @@
       </p:sp>
       <p:sp>
         <p:nvSpPr>
-          <p:cNvPr id="3" name="Segnaposto contenuto 2">
-            <a:extLst>
-              <a:ext uri="{FF2B5EF4-FFF2-40B4-BE49-F238E27FC236}">
-                <a16:creationId xmlns:a16="http://schemas.microsoft.com/office/drawing/2014/main" id="{0D4953C0-CA08-4D5E-8515-AA784DA7F464}"/>
+          <p:cNvPr id="9" name="Content Placeholder 8">
+            <a:extLst>
+              <a:ext uri="{FF2B5EF4-FFF2-40B4-BE49-F238E27FC236}">
+                <a16:creationId xmlns:a16="http://schemas.microsoft.com/office/drawing/2014/main" id="{82748BCB-58EE-4FCD-A0A3-62B6988E48A6}"/>
               </a:ext>
             </a:extLst>
           </p:cNvPr>
@@ -22747,128 +23445,114 @@
           <a:lstStyle/>
           <a:p>
             <a:r>
-              <a:rPr lang="it-IT" dirty="0"/>
-              <a:t>Le caratteristiche di Python lo rendono adatto per operazioni di analisi</a:t>
+              <a:rPr lang="en-US" dirty="0"/>
+              <a:t>This checklist can help you while building your projects</a:t>
             </a:r>
           </a:p>
           <a:p>
             <a:pPr lvl="1"/>
             <a:r>
-              <a:rPr lang="it-IT" dirty="0"/>
-              <a:t>Utilizzabile in modo interattivo, script, e programmi completi</a:t>
-            </a:r>
-          </a:p>
-          <a:p>
-            <a:r>
-              <a:rPr lang="it-IT" dirty="0"/>
-              <a:t>Diverse librerie che rendono Python un </a:t>
-            </a:r>
-            <a:r>
-              <a:rPr lang="it-IT" dirty="0">
-                <a:solidFill>
-                  <a:srgbClr val="FF0000"/>
-                </a:solidFill>
-              </a:rPr>
-              <a:t>ambiente completo </a:t>
-            </a:r>
-            <a:r>
-              <a:rPr lang="it-IT" dirty="0"/>
-              <a:t>di analisi dati</a:t>
+              <a:rPr lang="en-US" dirty="0"/>
+              <a:t> Frame the problem and look at the big picture</a:t>
+            </a:r>
+          </a:p>
+          <a:p>
+            <a:pPr lvl="2"/>
+            <a:r>
+              <a:rPr lang="en-US" dirty="0"/>
+              <a:t>✔ Define the objective in business terms</a:t>
+            </a:r>
+          </a:p>
+          <a:p>
+            <a:pPr lvl="2"/>
+            <a:r>
+              <a:rPr lang="en-US" dirty="0"/>
+              <a:t>✔ How should performance be measured?</a:t>
             </a:r>
           </a:p>
           <a:p>
             <a:pPr lvl="1"/>
             <a:r>
-              <a:rPr lang="it-IT" dirty="0"/>
-              <a:t>Python è sempre più usato in sostituzione di R e altri software ad-hoc</a:t>
+              <a:rPr lang="en-US" dirty="0"/>
+              <a:t> Get the data</a:t>
+            </a:r>
+          </a:p>
+          <a:p>
+            <a:pPr lvl="2"/>
+            <a:r>
+              <a:rPr lang="en-US" dirty="0"/>
+              <a:t>✔ List the data you need and how much you need</a:t>
+            </a:r>
+          </a:p>
+          <a:p>
+            <a:pPr lvl="1"/>
+            <a:r>
+              <a:rPr lang="en-US" dirty="0"/>
+              <a:t>Explore the data to gain insights</a:t>
+            </a:r>
+          </a:p>
+          <a:p>
+            <a:pPr lvl="2"/>
+            <a:r>
+              <a:rPr lang="en-US" dirty="0"/>
+              <a:t>✔ Create an environment to keep track of your data exploration </a:t>
+            </a:r>
+          </a:p>
+          <a:p>
+            <a:pPr lvl="2"/>
+            <a:r>
+              <a:rPr lang="en-US" dirty="0"/>
+              <a:t>✔ Study each attribute and its characteristics</a:t>
+            </a:r>
+          </a:p>
+          <a:p>
+            <a:pPr lvl="1"/>
+            <a:r>
+              <a:rPr lang="en-US" dirty="0"/>
+              <a:t>Prepare the data</a:t>
+            </a:r>
+          </a:p>
+          <a:p>
+            <a:pPr lvl="2"/>
+            <a:r>
+              <a:rPr lang="en-US" dirty="0"/>
+              <a:t>✔ Fix or remove outliers (optional)</a:t>
+            </a:r>
+          </a:p>
+          <a:p>
+            <a:pPr lvl="2"/>
+            <a:r>
+              <a:rPr lang="en-US" dirty="0"/>
+              <a:t>✔ Fill in missing values (e.g., with zero, mean, median…) or drop their rows (or columns)</a:t>
+            </a:r>
+          </a:p>
+          <a:p>
+            <a:pPr lvl="2"/>
+            <a:r>
+              <a:rPr lang="en-US" dirty="0"/>
+              <a:t>✔ Feature selection (optional): drop the attributes that provide no useful information for the task</a:t>
+            </a:r>
+          </a:p>
+          <a:p>
+            <a:pPr lvl="2"/>
+            <a:r>
+              <a:rPr lang="en-US" dirty="0"/>
+              <a:t>✔ Feature engineering, where appropriate: discretize </a:t>
+            </a:r>
+            <a:r>
+              <a:rPr lang="en-US"/>
+              <a:t>continuous features</a:t>
             </a:r>
             <a:endParaRPr lang="en-US" dirty="0"/>
           </a:p>
-          <a:p>
-            <a:pPr lvl="1"/>
-            <a:r>
-              <a:rPr lang="it-IT" dirty="0"/>
-              <a:t>E.g., </a:t>
-            </a:r>
-            <a:r>
-              <a:rPr lang="it-IT" dirty="0" err="1">
-                <a:solidFill>
-                  <a:schemeClr val="accent1"/>
-                </a:solidFill>
-              </a:rPr>
-              <a:t>NumPy</a:t>
-            </a:r>
-            <a:r>
-              <a:rPr lang="it-IT" dirty="0"/>
-              <a:t> per la rappresentazione di dati in forma di vettori e matrici</a:t>
-            </a:r>
-          </a:p>
-          <a:p>
-            <a:pPr lvl="1"/>
-            <a:r>
-              <a:rPr lang="it-IT" dirty="0"/>
-              <a:t>E.g., </a:t>
-            </a:r>
-            <a:r>
-              <a:rPr lang="it-IT" dirty="0" err="1">
-                <a:solidFill>
-                  <a:schemeClr val="accent1"/>
-                </a:solidFill>
-              </a:rPr>
-              <a:t>Pandas</a:t>
-            </a:r>
-            <a:r>
-              <a:rPr lang="it-IT" dirty="0"/>
-              <a:t> per la manipolazione e trasformazione di dati tabellari</a:t>
-            </a:r>
-          </a:p>
-          <a:p>
-            <a:pPr lvl="1"/>
-            <a:r>
-              <a:rPr lang="it-IT" dirty="0"/>
-              <a:t>E.g., </a:t>
-            </a:r>
-            <a:r>
-              <a:rPr lang="it-IT" dirty="0" err="1">
-                <a:solidFill>
-                  <a:schemeClr val="accent1"/>
-                </a:solidFill>
-              </a:rPr>
-              <a:t>Sklearn</a:t>
-            </a:r>
-            <a:r>
-              <a:rPr lang="it-IT" dirty="0"/>
-              <a:t> per l’applicazione di algoritmi di machine learning e data mining</a:t>
-            </a:r>
-          </a:p>
-          <a:p>
-            <a:pPr lvl="1"/>
-            <a:r>
-              <a:rPr lang="it-IT" dirty="0"/>
-              <a:t>E.g., </a:t>
-            </a:r>
-            <a:r>
-              <a:rPr lang="it-IT" dirty="0" err="1">
-                <a:solidFill>
-                  <a:schemeClr val="accent1"/>
-                </a:solidFill>
-              </a:rPr>
-              <a:t>Matplotlib</a:t>
-            </a:r>
-            <a:r>
-              <a:rPr lang="it-IT" dirty="0"/>
-              <a:t> per visualizzazione di dati</a:t>
-            </a:r>
-            <a:endParaRPr lang="en-US" dirty="0"/>
-          </a:p>
-        </p:txBody>
-      </p:sp>
-      <p:sp>
-        <p:nvSpPr>
-          <p:cNvPr id="4" name="Segnaposto piè di pagina 3">
-            <a:extLst>
-              <a:ext uri="{FF2B5EF4-FFF2-40B4-BE49-F238E27FC236}">
-                <a16:creationId xmlns:a16="http://schemas.microsoft.com/office/drawing/2014/main" id="{6B33E78A-30FF-4D1F-A0F8-6C029FEBB27C}"/>
+        </p:txBody>
+      </p:sp>
+      <p:sp>
+        <p:nvSpPr>
+          <p:cNvPr id="5" name="Footer Placeholder 4">
+            <a:extLst>
+              <a:ext uri="{FF2B5EF4-FFF2-40B4-BE49-F238E27FC236}">
+                <a16:creationId xmlns:a16="http://schemas.microsoft.com/office/drawing/2014/main" id="{451A0E4F-A40E-41B8-A1C4-70246B56D124}"/>
               </a:ext>
             </a:extLst>
           </p:cNvPr>
@@ -22890,7 +23574,7 @@
           <a:lstStyle/>
           <a:p>
             <a:r>
-              <a:rPr lang="it-IT" dirty="0"/>
+              <a:rPr lang="it-IT"/>
               <a:t>Matteo Francia – University of Bologna</a:t>
             </a:r>
           </a:p>
@@ -22898,10 +23582,10 @@
       </p:sp>
       <p:sp>
         <p:nvSpPr>
-          <p:cNvPr id="5" name="Segnaposto numero diapositiva 4">
-            <a:extLst>
-              <a:ext uri="{FF2B5EF4-FFF2-40B4-BE49-F238E27FC236}">
-                <a16:creationId xmlns:a16="http://schemas.microsoft.com/office/drawing/2014/main" id="{6D48D97F-42B6-4452-B50F-836AB13F7D9E}"/>
+          <p:cNvPr id="6" name="Slide Number Placeholder 5">
+            <a:extLst>
+              <a:ext uri="{FF2B5EF4-FFF2-40B4-BE49-F238E27FC236}">
+                <a16:creationId xmlns:a16="http://schemas.microsoft.com/office/drawing/2014/main" id="{240950CC-5227-4892-818F-1BE5F4F01CAB}"/>
               </a:ext>
             </a:extLst>
           </p:cNvPr>
@@ -22925,305 +23609,7 @@
             <a:fld id="{5DD6F1BA-2510-46FC-9346-AB1F3CA1593B}" type="slidenum">
               <a:rPr lang="it-IT" smtClean="0"/>
               <a:pPr/>
-              <a:t>4</a:t>
-            </a:fld>
-            <a:endParaRPr lang="it-IT"/>
-          </a:p>
-        </p:txBody>
-      </p:sp>
-      <p:sp>
-        <p:nvSpPr>
-          <p:cNvPr id="11" name="Segnaposto contenuto 10">
-            <a:extLst>
-              <a:ext uri="{FF2B5EF4-FFF2-40B4-BE49-F238E27FC236}">
-                <a16:creationId xmlns:a16="http://schemas.microsoft.com/office/drawing/2014/main" id="{C72A4F33-D7C4-459F-A852-DFDFB315E111}"/>
-              </a:ext>
-            </a:extLst>
-          </p:cNvPr>
-          <p:cNvSpPr>
-            <a:spLocks noGrp="1"/>
-          </p:cNvSpPr>
-          <p:nvPr>
-            <p:ph idx="13"/>
-          </p:nvPr>
-        </p:nvSpPr>
-        <p:spPr/>
-        <p:txBody>
-          <a:bodyPr/>
-          <a:lstStyle/>
-          <a:p>
-            <a:endParaRPr lang="en-US"/>
-          </a:p>
-        </p:txBody>
-      </p:sp>
-    </p:spTree>
-    <p:extLst>
-      <p:ext uri="{BB962C8B-B14F-4D97-AF65-F5344CB8AC3E}">
-        <p14:creationId xmlns:p14="http://schemas.microsoft.com/office/powerpoint/2010/main" val="1208997244"/>
-      </p:ext>
-    </p:extLst>
-  </p:cSld>
-  <p:clrMapOvr>
-    <a:masterClrMapping/>
-  </p:clrMapOvr>
-</p:sld>
-</file>
-
-<file path=ppt/slides/slide40.xml><?xml version="1.0" encoding="utf-8"?>
-<p:sld xmlns:a="http://schemas.openxmlformats.org/drawingml/2006/main" xmlns:r="http://schemas.openxmlformats.org/officeDocument/2006/relationships" xmlns:p="http://schemas.openxmlformats.org/presentationml/2006/main">
-  <p:cSld>
-    <p:spTree>
-      <p:nvGrpSpPr>
-        <p:cNvPr id="1" name=""/>
-        <p:cNvGrpSpPr/>
-        <p:nvPr/>
-      </p:nvGrpSpPr>
-      <p:grpSpPr>
-        <a:xfrm>
-          <a:off x="0" y="0"/>
-          <a:ext cx="0" cy="0"/>
-          <a:chOff x="0" y="0"/>
-          <a:chExt cx="0" cy="0"/>
-        </a:xfrm>
-      </p:grpSpPr>
-      <p:sp>
-        <p:nvSpPr>
-          <p:cNvPr id="14" name="Title 13">
-            <a:extLst>
-              <a:ext uri="{FF2B5EF4-FFF2-40B4-BE49-F238E27FC236}">
-                <a16:creationId xmlns:a16="http://schemas.microsoft.com/office/drawing/2014/main" id="{7FD6D1A2-CF14-45EA-AE21-B220A4E2308D}"/>
-              </a:ext>
-            </a:extLst>
-          </p:cNvPr>
-          <p:cNvSpPr>
-            <a:spLocks noGrp="1"/>
-          </p:cNvSpPr>
-          <p:nvPr>
-            <p:ph type="title"/>
-          </p:nvPr>
-        </p:nvSpPr>
-        <p:spPr>
-          <a:xfrm>
-            <a:off x="838200" y="365125"/>
-            <a:ext cx="10515600" cy="1325563"/>
-          </a:xfrm>
-        </p:spPr>
-        <p:txBody>
-          <a:bodyPr/>
-          <a:lstStyle/>
-          <a:p>
-            <a:r>
-              <a:rPr lang="it-IT" dirty="0" err="1"/>
-              <a:t>Integrated</a:t>
-            </a:r>
-            <a:r>
-              <a:rPr lang="it-IT" dirty="0"/>
-              <a:t> </a:t>
-            </a:r>
-            <a:r>
-              <a:rPr lang="it-IT" dirty="0" err="1"/>
-              <a:t>analytics</a:t>
-            </a:r>
-            <a:r>
-              <a:rPr lang="it-IT" dirty="0"/>
-              <a:t> lab</a:t>
-            </a:r>
-            <a:endParaRPr lang="en-US" dirty="0"/>
-          </a:p>
-        </p:txBody>
-      </p:sp>
-      <p:sp>
-        <p:nvSpPr>
-          <p:cNvPr id="9" name="Content Placeholder 8">
-            <a:extLst>
-              <a:ext uri="{FF2B5EF4-FFF2-40B4-BE49-F238E27FC236}">
-                <a16:creationId xmlns:a16="http://schemas.microsoft.com/office/drawing/2014/main" id="{82748BCB-58EE-4FCD-A0A3-62B6988E48A6}"/>
-              </a:ext>
-            </a:extLst>
-          </p:cNvPr>
-          <p:cNvSpPr>
-            <a:spLocks noGrp="1"/>
-          </p:cNvSpPr>
-          <p:nvPr>
-            <p:ph idx="1"/>
-          </p:nvPr>
-        </p:nvSpPr>
-        <p:spPr>
-          <a:xfrm>
-            <a:off x="838200" y="1700499"/>
-            <a:ext cx="10515600" cy="4351338"/>
-          </a:xfrm>
-        </p:spPr>
-        <p:txBody>
-          <a:bodyPr/>
-          <a:lstStyle/>
-          <a:p>
-            <a:r>
-              <a:rPr lang="en-US" dirty="0"/>
-              <a:t>This checklist can help you while building your projects</a:t>
-            </a:r>
-          </a:p>
-          <a:p>
-            <a:pPr lvl="1"/>
-            <a:r>
-              <a:rPr lang="en-US" dirty="0"/>
-              <a:t> Frame the problem and look at the big picture</a:t>
-            </a:r>
-          </a:p>
-          <a:p>
-            <a:pPr lvl="2"/>
-            <a:r>
-              <a:rPr lang="en-US" dirty="0"/>
-              <a:t>✔ Define the objective in business terms</a:t>
-            </a:r>
-          </a:p>
-          <a:p>
-            <a:pPr lvl="2"/>
-            <a:r>
-              <a:rPr lang="en-US" dirty="0"/>
-              <a:t>✔ How should performance be measured?</a:t>
-            </a:r>
-          </a:p>
-          <a:p>
-            <a:pPr lvl="1"/>
-            <a:r>
-              <a:rPr lang="en-US" dirty="0"/>
-              <a:t> Get the data</a:t>
-            </a:r>
-          </a:p>
-          <a:p>
-            <a:pPr lvl="2"/>
-            <a:r>
-              <a:rPr lang="en-US" dirty="0"/>
-              <a:t>✔ List the data you need and how much you need</a:t>
-            </a:r>
-          </a:p>
-          <a:p>
-            <a:pPr lvl="1"/>
-            <a:r>
-              <a:rPr lang="en-US" dirty="0"/>
-              <a:t>Explore the data to gain insights</a:t>
-            </a:r>
-          </a:p>
-          <a:p>
-            <a:pPr lvl="2"/>
-            <a:r>
-              <a:rPr lang="en-US" dirty="0"/>
-              <a:t>✔ Create an environment to keep track of your data exploration </a:t>
-            </a:r>
-          </a:p>
-          <a:p>
-            <a:pPr lvl="2"/>
-            <a:r>
-              <a:rPr lang="en-US" dirty="0"/>
-              <a:t>✔ Study each attribute and its characteristics</a:t>
-            </a:r>
-          </a:p>
-          <a:p>
-            <a:pPr lvl="1"/>
-            <a:r>
-              <a:rPr lang="en-US" dirty="0"/>
-              <a:t>Prepare the data</a:t>
-            </a:r>
-          </a:p>
-          <a:p>
-            <a:pPr lvl="2"/>
-            <a:r>
-              <a:rPr lang="en-US" dirty="0"/>
-              <a:t>✔ Fix or remove outliers (optional)</a:t>
-            </a:r>
-          </a:p>
-          <a:p>
-            <a:pPr lvl="2"/>
-            <a:r>
-              <a:rPr lang="en-US" dirty="0"/>
-              <a:t>✔ Fill in missing values (e.g., with zero, mean, median…) or drop their rows (or columns)</a:t>
-            </a:r>
-          </a:p>
-          <a:p>
-            <a:pPr lvl="2"/>
-            <a:r>
-              <a:rPr lang="en-US" dirty="0"/>
-              <a:t>✔ Feature selection (optional): drop the attributes that provide no useful information for the task</a:t>
-            </a:r>
-          </a:p>
-          <a:p>
-            <a:pPr lvl="2"/>
-            <a:r>
-              <a:rPr lang="en-US" dirty="0"/>
-              <a:t>✔ Feature engineering, where appropriate: discretize </a:t>
-            </a:r>
-            <a:r>
-              <a:rPr lang="en-US"/>
-              <a:t>continuous features</a:t>
-            </a:r>
-            <a:endParaRPr lang="en-US" dirty="0"/>
-          </a:p>
-        </p:txBody>
-      </p:sp>
-      <p:sp>
-        <p:nvSpPr>
-          <p:cNvPr id="5" name="Footer Placeholder 4">
-            <a:extLst>
-              <a:ext uri="{FF2B5EF4-FFF2-40B4-BE49-F238E27FC236}">
-                <a16:creationId xmlns:a16="http://schemas.microsoft.com/office/drawing/2014/main" id="{451A0E4F-A40E-41B8-A1C4-70246B56D124}"/>
-              </a:ext>
-            </a:extLst>
-          </p:cNvPr>
-          <p:cNvSpPr>
-            <a:spLocks noGrp="1"/>
-          </p:cNvSpPr>
-          <p:nvPr>
-            <p:ph type="ftr" sz="quarter" idx="11"/>
-          </p:nvPr>
-        </p:nvSpPr>
-        <p:spPr>
-          <a:xfrm>
-            <a:off x="-1" y="6492875"/>
-            <a:ext cx="2837793" cy="365125"/>
-          </a:xfrm>
-        </p:spPr>
-        <p:txBody>
-          <a:bodyPr/>
-          <a:lstStyle/>
-          <a:p>
-            <a:r>
-              <a:rPr lang="it-IT"/>
-              <a:t>Matteo Francia – University of Bologna</a:t>
-            </a:r>
-          </a:p>
-        </p:txBody>
-      </p:sp>
-      <p:sp>
-        <p:nvSpPr>
-          <p:cNvPr id="6" name="Slide Number Placeholder 5">
-            <a:extLst>
-              <a:ext uri="{FF2B5EF4-FFF2-40B4-BE49-F238E27FC236}">
-                <a16:creationId xmlns:a16="http://schemas.microsoft.com/office/drawing/2014/main" id="{240950CC-5227-4892-818F-1BE5F4F01CAB}"/>
-              </a:ext>
-            </a:extLst>
-          </p:cNvPr>
-          <p:cNvSpPr>
-            <a:spLocks noGrp="1"/>
-          </p:cNvSpPr>
-          <p:nvPr>
-            <p:ph type="sldNum" sz="quarter" idx="12"/>
-          </p:nvPr>
-        </p:nvSpPr>
-        <p:spPr>
-          <a:xfrm>
-            <a:off x="9448800" y="6492874"/>
-            <a:ext cx="2743200" cy="365125"/>
-          </a:xfrm>
-        </p:spPr>
-        <p:txBody>
-          <a:bodyPr/>
-          <a:lstStyle/>
-          <a:p>
-            <a:fld id="{5DD6F1BA-2510-46FC-9346-AB1F3CA1593B}" type="slidenum">
-              <a:rPr lang="it-IT" smtClean="0"/>
-              <a:pPr/>
-              <a:t>40</a:t>
+              <a:t>41</a:t>
             </a:fld>
             <a:endParaRPr lang="it-IT"/>
           </a:p>
